--- a/Documentation/About-DC-and-Crayon.pptx
+++ b/Documentation/About-DC-and-Crayon.pptx
@@ -12,6 +12,14 @@
     <p:sldId id="260" r:id="rId6"/>
     <p:sldId id="261" r:id="rId7"/>
     <p:sldId id="262" r:id="rId8"/>
+    <p:sldId id="263" r:id="rId9"/>
+    <p:sldId id="264" r:id="rId10"/>
+    <p:sldId id="265" r:id="rId11"/>
+    <p:sldId id="266" r:id="rId12"/>
+    <p:sldId id="267" r:id="rId13"/>
+    <p:sldId id="268" r:id="rId14"/>
+    <p:sldId id="269" r:id="rId15"/>
+    <p:sldId id="270" r:id="rId16"/>
   </p:sldIdLst>
   <p:sldSz cx="12192000" cy="6858000"/>
   <p:notesSz cx="6858000" cy="9144000"/>
@@ -110,6 +118,11 @@
       </a:defRPr>
     </a:lvl9pPr>
   </p:defaultTextStyle>
+  <p:extLst>
+    <p:ext uri="{EFAFB233-063F-42B5-8137-9DF3F51BA10A}">
+      <p15:sldGuideLst xmlns:p15="http://schemas.microsoft.com/office/powerpoint/2012/main"/>
+    </p:ext>
+  </p:extLst>
 </p:presentation>
 </file>
 
@@ -3389,6 +3402,2007 @@
 </p:sld>
 </file>
 
+<file path=ppt/slides/slide10.xml><?xml version="1.0" encoding="utf-8"?>
+<p:sld xmlns:a="http://schemas.openxmlformats.org/drawingml/2006/main" xmlns:r="http://schemas.openxmlformats.org/officeDocument/2006/relationships" xmlns:p="http://schemas.openxmlformats.org/presentationml/2006/main">
+  <p:cSld>
+    <p:spTree>
+      <p:nvGrpSpPr>
+        <p:cNvPr id="1" name=""/>
+        <p:cNvGrpSpPr/>
+        <p:nvPr/>
+      </p:nvGrpSpPr>
+      <p:grpSpPr>
+        <a:xfrm>
+          <a:off x="0" y="0"/>
+          <a:ext cx="0" cy="0"/>
+          <a:chOff x="0" y="0"/>
+          <a:chExt cx="0" cy="0"/>
+        </a:xfrm>
+      </p:grpSpPr>
+      <p:sp>
+        <p:nvSpPr>
+          <p:cNvPr id="2" name="Title 1">
+            <a:extLst>
+              <a:ext uri="{FF2B5EF4-FFF2-40B4-BE49-F238E27FC236}">
+                <a16:creationId xmlns:a16="http://schemas.microsoft.com/office/drawing/2014/main" id="{95CFFD23-CD6C-4972-9AE8-E6DF60D4165A}"/>
+              </a:ext>
+            </a:extLst>
+          </p:cNvPr>
+          <p:cNvSpPr>
+            <a:spLocks noGrp="1"/>
+          </p:cNvSpPr>
+          <p:nvPr>
+            <p:ph type="title"/>
+          </p:nvPr>
+        </p:nvSpPr>
+        <p:spPr/>
+        <p:txBody>
+          <a:bodyPr/>
+          <a:lstStyle/>
+          <a:p>
+            <a:r>
+              <a:rPr lang="en-AU" dirty="0"/>
+              <a:t>Video output for Dreamcast</a:t>
+            </a:r>
+          </a:p>
+        </p:txBody>
+      </p:sp>
+      <p:sp>
+        <p:nvSpPr>
+          <p:cNvPr id="3" name="Content Placeholder 2">
+            <a:extLst>
+              <a:ext uri="{FF2B5EF4-FFF2-40B4-BE49-F238E27FC236}">
+                <a16:creationId xmlns:a16="http://schemas.microsoft.com/office/drawing/2014/main" id="{D472C8E4-673E-484E-9741-89DE4DF30DC6}"/>
+              </a:ext>
+            </a:extLst>
+          </p:cNvPr>
+          <p:cNvSpPr>
+            <a:spLocks noGrp="1"/>
+          </p:cNvSpPr>
+          <p:nvPr>
+            <p:ph idx="1"/>
+          </p:nvPr>
+        </p:nvSpPr>
+        <p:spPr/>
+        <p:txBody>
+          <a:bodyPr/>
+          <a:lstStyle/>
+          <a:p>
+            <a:r>
+              <a:rPr lang="en-AU" dirty="0"/>
+              <a:t>The main video output is 640x480 (4:3) via VGA (Progressive Scan) or RCA/RGB (Interlaced) at 50/60Hz (Always 60 for VGA)</a:t>
+            </a:r>
+          </a:p>
+          <a:p>
+            <a:r>
+              <a:rPr lang="en-AU" dirty="0"/>
+              <a:t>As for game base resolutions, these are the main options</a:t>
+            </a:r>
+          </a:p>
+          <a:p>
+            <a:pPr lvl="1"/>
+            <a:r>
+              <a:rPr lang="en-AU" dirty="0"/>
+              <a:t>640x480. Uses whole screen, but doesn’t scale well to modern displays</a:t>
+            </a:r>
+          </a:p>
+          <a:p>
+            <a:pPr lvl="1"/>
+            <a:r>
+              <a:rPr lang="en-AU" dirty="0"/>
+              <a:t>320x240. Can be scaled nicely to DC and modern displays, but not a big area</a:t>
+            </a:r>
+          </a:p>
+          <a:p>
+            <a:pPr lvl="1"/>
+            <a:r>
+              <a:rPr lang="en-AU" dirty="0"/>
+              <a:t>640x360 letterboxed. Is basically 16:9 and scales well to modern displays. IMO this is the best choice.</a:t>
+            </a:r>
+          </a:p>
+          <a:p>
+            <a:pPr lvl="1"/>
+            <a:r>
+              <a:rPr lang="en-AU" dirty="0"/>
+              <a:t>320x180 letterboxed. Can scale up to previous resolution, but less detail</a:t>
+            </a:r>
+          </a:p>
+        </p:txBody>
+      </p:sp>
+    </p:spTree>
+    <p:extLst>
+      <p:ext uri="{BB962C8B-B14F-4D97-AF65-F5344CB8AC3E}">
+        <p14:creationId xmlns:p14="http://schemas.microsoft.com/office/powerpoint/2010/main" val="758861188"/>
+      </p:ext>
+    </p:extLst>
+  </p:cSld>
+  <p:clrMapOvr>
+    <a:masterClrMapping/>
+  </p:clrMapOvr>
+</p:sld>
+</file>
+
+<file path=ppt/slides/slide11.xml><?xml version="1.0" encoding="utf-8"?>
+<p:sld xmlns:a="http://schemas.openxmlformats.org/drawingml/2006/main" xmlns:r="http://schemas.openxmlformats.org/officeDocument/2006/relationships" xmlns:p="http://schemas.openxmlformats.org/presentationml/2006/main">
+  <p:cSld>
+    <p:spTree>
+      <p:nvGrpSpPr>
+        <p:cNvPr id="1" name=""/>
+        <p:cNvGrpSpPr/>
+        <p:nvPr/>
+      </p:nvGrpSpPr>
+      <p:grpSpPr>
+        <a:xfrm>
+          <a:off x="0" y="0"/>
+          <a:ext cx="0" cy="0"/>
+          <a:chOff x="0" y="0"/>
+          <a:chExt cx="0" cy="0"/>
+        </a:xfrm>
+      </p:grpSpPr>
+      <p:sp>
+        <p:nvSpPr>
+          <p:cNvPr id="2" name="Title 1">
+            <a:extLst>
+              <a:ext uri="{FF2B5EF4-FFF2-40B4-BE49-F238E27FC236}">
+                <a16:creationId xmlns:a16="http://schemas.microsoft.com/office/drawing/2014/main" id="{0D9A6B98-639D-47E9-9333-E8F5C3CF6220}"/>
+              </a:ext>
+            </a:extLst>
+          </p:cNvPr>
+          <p:cNvSpPr>
+            <a:spLocks noGrp="1"/>
+          </p:cNvSpPr>
+          <p:nvPr>
+            <p:ph type="title"/>
+          </p:nvPr>
+        </p:nvSpPr>
+        <p:spPr/>
+        <p:txBody>
+          <a:bodyPr/>
+          <a:lstStyle/>
+          <a:p>
+            <a:r>
+              <a:rPr lang="en-AU" dirty="0"/>
+              <a:t>Sound capabilities</a:t>
+            </a:r>
+          </a:p>
+        </p:txBody>
+      </p:sp>
+      <p:sp>
+        <p:nvSpPr>
+          <p:cNvPr id="3" name="Content Placeholder 2">
+            <a:extLst>
+              <a:ext uri="{FF2B5EF4-FFF2-40B4-BE49-F238E27FC236}">
+                <a16:creationId xmlns:a16="http://schemas.microsoft.com/office/drawing/2014/main" id="{6FBD40C0-44E4-44F1-9DF6-FCA733CF340C}"/>
+              </a:ext>
+            </a:extLst>
+          </p:cNvPr>
+          <p:cNvSpPr>
+            <a:spLocks noGrp="1"/>
+          </p:cNvSpPr>
+          <p:nvPr>
+            <p:ph idx="1"/>
+          </p:nvPr>
+        </p:nvSpPr>
+        <p:spPr/>
+        <p:txBody>
+          <a:bodyPr/>
+          <a:lstStyle/>
+          <a:p>
+            <a:r>
+              <a:rPr lang="en-AU" dirty="0"/>
+              <a:t>Yamaha AICA with 32-bit ARM7 RISC CPU core, 64 channels/voices/”piano-key-notes-at-once”</a:t>
+            </a:r>
+          </a:p>
+          <a:p>
+            <a:r>
+              <a:rPr lang="en-AU" dirty="0"/>
+              <a:t>For music, it can load OGG songs (Whole file loaded into RAM) or use CDDA music (This is the format music CDs are in)</a:t>
+            </a:r>
+          </a:p>
+          <a:p>
+            <a:pPr lvl="1"/>
+            <a:r>
+              <a:rPr lang="en-AU" dirty="0"/>
+              <a:t>A side effect of using CDDA is that the game disc can double as a music CD</a:t>
+            </a:r>
+          </a:p>
+          <a:p>
+            <a:r>
+              <a:rPr lang="en-AU" dirty="0"/>
+              <a:t>For sound, all files must be 16-bit uncompressed or </a:t>
+            </a:r>
+            <a:r>
+              <a:rPr lang="en-US" dirty="0"/>
+              <a:t>in the ADPCM format (4-bit compressed).</a:t>
+            </a:r>
+          </a:p>
+          <a:p>
+            <a:pPr lvl="1"/>
+            <a:r>
+              <a:rPr lang="en-AU" dirty="0"/>
+              <a:t>Depending on what format is chosen, sound effects have a max length </a:t>
+            </a:r>
+            <a:r>
+              <a:rPr lang="en-AU" dirty="0">
+                <a:solidFill>
+                  <a:srgbClr val="FF0000"/>
+                </a:solidFill>
+              </a:rPr>
+              <a:t>(*)</a:t>
+            </a:r>
+          </a:p>
+          <a:p>
+            <a:r>
+              <a:rPr lang="en-AU" dirty="0" err="1"/>
+              <a:t>OpenAL</a:t>
+            </a:r>
+            <a:r>
+              <a:rPr lang="en-AU" dirty="0"/>
+              <a:t> looks like a good method of handling sound for us</a:t>
+            </a:r>
+          </a:p>
+        </p:txBody>
+      </p:sp>
+    </p:spTree>
+    <p:extLst>
+      <p:ext uri="{BB962C8B-B14F-4D97-AF65-F5344CB8AC3E}">
+        <p14:creationId xmlns:p14="http://schemas.microsoft.com/office/powerpoint/2010/main" val="3945205885"/>
+      </p:ext>
+    </p:extLst>
+  </p:cSld>
+  <p:clrMapOvr>
+    <a:masterClrMapping/>
+  </p:clrMapOvr>
+</p:sld>
+</file>
+
+<file path=ppt/slides/slide12.xml><?xml version="1.0" encoding="utf-8"?>
+<p:sld xmlns:a="http://schemas.openxmlformats.org/drawingml/2006/main" xmlns:r="http://schemas.openxmlformats.org/officeDocument/2006/relationships" xmlns:p="http://schemas.openxmlformats.org/presentationml/2006/main">
+  <p:cSld>
+    <p:spTree>
+      <p:nvGrpSpPr>
+        <p:cNvPr id="1" name=""/>
+        <p:cNvGrpSpPr/>
+        <p:nvPr/>
+      </p:nvGrpSpPr>
+      <p:grpSpPr>
+        <a:xfrm>
+          <a:off x="0" y="0"/>
+          <a:ext cx="0" cy="0"/>
+          <a:chOff x="0" y="0"/>
+          <a:chExt cx="0" cy="0"/>
+        </a:xfrm>
+      </p:grpSpPr>
+      <p:sp>
+        <p:nvSpPr>
+          <p:cNvPr id="2" name="Title 1">
+            <a:extLst>
+              <a:ext uri="{FF2B5EF4-FFF2-40B4-BE49-F238E27FC236}">
+                <a16:creationId xmlns:a16="http://schemas.microsoft.com/office/drawing/2014/main" id="{343F25F6-B925-44B6-ADFF-B8CD30F89AC5}"/>
+              </a:ext>
+            </a:extLst>
+          </p:cNvPr>
+          <p:cNvSpPr>
+            <a:spLocks noGrp="1"/>
+          </p:cNvSpPr>
+          <p:nvPr>
+            <p:ph type="title"/>
+          </p:nvPr>
+        </p:nvSpPr>
+        <p:spPr/>
+        <p:txBody>
+          <a:bodyPr/>
+          <a:lstStyle/>
+          <a:p>
+            <a:r>
+              <a:rPr lang="en-AU" dirty="0"/>
+              <a:t>Ways of running games/programs</a:t>
+            </a:r>
+          </a:p>
+        </p:txBody>
+      </p:sp>
+      <p:sp>
+        <p:nvSpPr>
+          <p:cNvPr id="3" name="Content Placeholder 2">
+            <a:extLst>
+              <a:ext uri="{FF2B5EF4-FFF2-40B4-BE49-F238E27FC236}">
+                <a16:creationId xmlns:a16="http://schemas.microsoft.com/office/drawing/2014/main" id="{9FD82EDD-5E79-492C-83AF-E2562E6FD0F1}"/>
+              </a:ext>
+            </a:extLst>
+          </p:cNvPr>
+          <p:cNvSpPr>
+            <a:spLocks noGrp="1"/>
+          </p:cNvSpPr>
+          <p:nvPr>
+            <p:ph idx="1"/>
+          </p:nvPr>
+        </p:nvSpPr>
+        <p:spPr/>
+        <p:txBody>
+          <a:bodyPr/>
+          <a:lstStyle/>
+          <a:p>
+            <a:r>
+              <a:rPr lang="en-AU" dirty="0"/>
+              <a:t>Emulation: For Windows I recommend DEMUL since its nearly perfect, otherwise Redream is alright.</a:t>
+            </a:r>
+          </a:p>
+          <a:p>
+            <a:r>
+              <a:rPr lang="en-AU" dirty="0"/>
+              <a:t>Burn CDs: This is basically the way the final game will be played at retail, but for dev we have to burn a new CD per change</a:t>
+            </a:r>
+          </a:p>
+          <a:p>
+            <a:r>
+              <a:rPr lang="en-AU" dirty="0"/>
+              <a:t>Serial/SD port: With a special boot disc we can tell the DC to load from the Serial/SD port on the back. This means we only burn 1 disc, but it is very slow</a:t>
+            </a:r>
+          </a:p>
+          <a:p>
+            <a:r>
+              <a:rPr lang="en-AU" dirty="0"/>
+              <a:t>Ethernet Adapter: Like the SD method we only burn one disc, but we load stuff from our PC over the network and it is faster than the CD-Drive</a:t>
+            </a:r>
+          </a:p>
+        </p:txBody>
+      </p:sp>
+    </p:spTree>
+    <p:extLst>
+      <p:ext uri="{BB962C8B-B14F-4D97-AF65-F5344CB8AC3E}">
+        <p14:creationId xmlns:p14="http://schemas.microsoft.com/office/powerpoint/2010/main" val="1653258504"/>
+      </p:ext>
+    </p:extLst>
+  </p:cSld>
+  <p:clrMapOvr>
+    <a:masterClrMapping/>
+  </p:clrMapOvr>
+</p:sld>
+</file>
+
+<file path=ppt/slides/slide13.xml><?xml version="1.0" encoding="utf-8"?>
+<p:sld xmlns:a="http://schemas.openxmlformats.org/drawingml/2006/main" xmlns:r="http://schemas.openxmlformats.org/officeDocument/2006/relationships" xmlns:p="http://schemas.openxmlformats.org/presentationml/2006/main">
+  <p:cSld>
+    <p:spTree>
+      <p:nvGrpSpPr>
+        <p:cNvPr id="1" name=""/>
+        <p:cNvGrpSpPr/>
+        <p:nvPr/>
+      </p:nvGrpSpPr>
+      <p:grpSpPr>
+        <a:xfrm>
+          <a:off x="0" y="0"/>
+          <a:ext cx="0" cy="0"/>
+          <a:chOff x="0" y="0"/>
+          <a:chExt cx="0" cy="0"/>
+        </a:xfrm>
+      </p:grpSpPr>
+      <p:sp>
+        <p:nvSpPr>
+          <p:cNvPr id="2" name="Title 1">
+            <a:extLst>
+              <a:ext uri="{FF2B5EF4-FFF2-40B4-BE49-F238E27FC236}">
+                <a16:creationId xmlns:a16="http://schemas.microsoft.com/office/drawing/2014/main" id="{9D4E177D-6081-4591-B641-457C8FC2F57D}"/>
+              </a:ext>
+            </a:extLst>
+          </p:cNvPr>
+          <p:cNvSpPr>
+            <a:spLocks noGrp="1"/>
+          </p:cNvSpPr>
+          <p:nvPr>
+            <p:ph type="title"/>
+          </p:nvPr>
+        </p:nvSpPr>
+        <p:spPr/>
+        <p:txBody>
+          <a:bodyPr/>
+          <a:lstStyle/>
+          <a:p>
+            <a:r>
+              <a:rPr lang="en-AU" dirty="0"/>
+              <a:t>Distribution and Piracy</a:t>
+            </a:r>
+          </a:p>
+        </p:txBody>
+      </p:sp>
+      <p:sp>
+        <p:nvSpPr>
+          <p:cNvPr id="3" name="Content Placeholder 2">
+            <a:extLst>
+              <a:ext uri="{FF2B5EF4-FFF2-40B4-BE49-F238E27FC236}">
+                <a16:creationId xmlns:a16="http://schemas.microsoft.com/office/drawing/2014/main" id="{AFFF94A9-0FAC-4DE1-90D7-9A3D03F88D95}"/>
+              </a:ext>
+            </a:extLst>
+          </p:cNvPr>
+          <p:cNvSpPr>
+            <a:spLocks noGrp="1"/>
+          </p:cNvSpPr>
+          <p:nvPr>
+            <p:ph idx="1"/>
+          </p:nvPr>
+        </p:nvSpPr>
+        <p:spPr/>
+        <p:txBody>
+          <a:bodyPr/>
+          <a:lstStyle/>
+          <a:p>
+            <a:r>
+              <a:rPr lang="en-AU" dirty="0"/>
+              <a:t>DC’s are too common, only 11 million sold worldwide which is half as much as the OG XBOX. But DC has an active homebrew market</a:t>
+            </a:r>
+          </a:p>
+          <a:p>
+            <a:r>
+              <a:rPr lang="en-US" dirty="0"/>
+              <a:t>Games usually released on professionally made CD-ROMs. There are producers out there who handle this such as </a:t>
+            </a:r>
+            <a:r>
+              <a:rPr lang="en-US" dirty="0" err="1"/>
+              <a:t>JoshProd</a:t>
+            </a:r>
+            <a:endParaRPr lang="en-US" dirty="0"/>
+          </a:p>
+          <a:p>
+            <a:pPr lvl="1"/>
+            <a:r>
+              <a:rPr lang="en-US" dirty="0"/>
+              <a:t>Some people are setting their game’s ISO online for a cheaper price</a:t>
+            </a:r>
+            <a:endParaRPr lang="en-AU" dirty="0"/>
+          </a:p>
+          <a:p>
+            <a:r>
+              <a:rPr lang="en-AU" dirty="0"/>
+              <a:t>Our code can run on any region DC for all the major revisions</a:t>
+            </a:r>
+          </a:p>
+          <a:p>
+            <a:pPr lvl="1"/>
+            <a:r>
+              <a:rPr lang="en-AU" dirty="0"/>
+              <a:t>We can also put the Windows/Mac/Linux executables on the disc for a “Multi-Platform CD-ROM” release</a:t>
+            </a:r>
+          </a:p>
+          <a:p>
+            <a:r>
+              <a:rPr lang="en-AU" dirty="0"/>
+              <a:t>Anti-Piracy is practically non-existent on the DC for Homebrew games due to our code using an Anti-Piracy loophole to run</a:t>
+            </a:r>
+          </a:p>
+        </p:txBody>
+      </p:sp>
+    </p:spTree>
+    <p:extLst>
+      <p:ext uri="{BB962C8B-B14F-4D97-AF65-F5344CB8AC3E}">
+        <p14:creationId xmlns:p14="http://schemas.microsoft.com/office/powerpoint/2010/main" val="1554999681"/>
+      </p:ext>
+    </p:extLst>
+  </p:cSld>
+  <p:clrMapOvr>
+    <a:masterClrMapping/>
+  </p:clrMapOvr>
+</p:sld>
+</file>
+
+<file path=ppt/slides/slide14.xml><?xml version="1.0" encoding="utf-8"?>
+<p:sld xmlns:a="http://schemas.openxmlformats.org/drawingml/2006/main" xmlns:r="http://schemas.openxmlformats.org/officeDocument/2006/relationships" xmlns:p="http://schemas.openxmlformats.org/presentationml/2006/main">
+  <p:cSld>
+    <p:bg>
+      <p:bgPr>
+        <a:solidFill>
+          <a:schemeClr val="bg1"/>
+        </a:solidFill>
+        <a:effectLst/>
+      </p:bgPr>
+    </p:bg>
+    <p:spTree>
+      <p:nvGrpSpPr>
+        <p:cNvPr id="1" name=""/>
+        <p:cNvGrpSpPr/>
+        <p:nvPr/>
+      </p:nvGrpSpPr>
+      <p:grpSpPr>
+        <a:xfrm>
+          <a:off x="0" y="0"/>
+          <a:ext cx="0" cy="0"/>
+          <a:chOff x="0" y="0"/>
+          <a:chExt cx="0" cy="0"/>
+        </a:xfrm>
+      </p:grpSpPr>
+      <p:sp>
+        <p:nvSpPr>
+          <p:cNvPr id="135" name="Rectangle 134">
+            <a:extLst>
+              <a:ext uri="{FF2B5EF4-FFF2-40B4-BE49-F238E27FC236}">
+                <a16:creationId xmlns:a16="http://schemas.microsoft.com/office/drawing/2014/main" id="{A4AC5506-6312-4701-8D3C-40187889A947}"/>
+              </a:ext>
+              <a:ext uri="{C183D7F6-B498-43B3-948B-1728B52AA6E4}">
+                <adec:decorative xmlns:adec="http://schemas.microsoft.com/office/drawing/2017/decorative" val="1"/>
+              </a:ext>
+            </a:extLst>
+          </p:cNvPr>
+          <p:cNvSpPr>
+            <a:spLocks noGrp="1" noRot="1" noChangeAspect="1" noMove="1" noResize="1" noEditPoints="1" noAdjustHandles="1" noChangeArrowheads="1" noChangeShapeType="1" noTextEdit="1"/>
+          </p:cNvSpPr>
+          <p:nvPr>
+            <p:extLst>
+              <p:ext uri="{386F3935-93C4-4BCD-93E2-E3B085C9AB24}">
+                <p16:designElem xmlns:p16="http://schemas.microsoft.com/office/powerpoint/2015/main" val="1"/>
+              </p:ext>
+            </p:extLst>
+          </p:nvPr>
+        </p:nvSpPr>
+        <p:spPr>
+          <a:xfrm>
+            <a:off x="0" y="651752"/>
+            <a:ext cx="12192000" cy="736551"/>
+          </a:xfrm>
+          <a:prstGeom prst="rect">
+            <a:avLst/>
+          </a:prstGeom>
+          <a:solidFill>
+            <a:schemeClr val="tx1"/>
+          </a:solidFill>
+          <a:ln>
+            <a:noFill/>
+          </a:ln>
+        </p:spPr>
+        <p:style>
+          <a:lnRef idx="2">
+            <a:schemeClr val="accent1">
+              <a:shade val="50000"/>
+            </a:schemeClr>
+          </a:lnRef>
+          <a:fillRef idx="1">
+            <a:schemeClr val="accent1"/>
+          </a:fillRef>
+          <a:effectRef idx="0">
+            <a:schemeClr val="accent1"/>
+          </a:effectRef>
+          <a:fontRef idx="minor">
+            <a:schemeClr val="lt1"/>
+          </a:fontRef>
+        </p:style>
+        <p:txBody>
+          <a:bodyPr rtlCol="0" anchor="ctr"/>
+          <a:lstStyle/>
+          <a:p>
+            <a:pPr algn="ctr"/>
+            <a:endParaRPr lang="en-US"/>
+          </a:p>
+        </p:txBody>
+      </p:sp>
+      <p:sp>
+        <p:nvSpPr>
+          <p:cNvPr id="2" name="Title 1">
+            <a:extLst>
+              <a:ext uri="{FF2B5EF4-FFF2-40B4-BE49-F238E27FC236}">
+                <a16:creationId xmlns:a16="http://schemas.microsoft.com/office/drawing/2014/main" id="{1BC5710D-68BA-47AB-A655-644426BF8CB1}"/>
+              </a:ext>
+            </a:extLst>
+          </p:cNvPr>
+          <p:cNvSpPr>
+            <a:spLocks noGrp="1"/>
+          </p:cNvSpPr>
+          <p:nvPr>
+            <p:ph type="title"/>
+          </p:nvPr>
+        </p:nvSpPr>
+        <p:spPr>
+          <a:xfrm>
+            <a:off x="556532" y="643467"/>
+            <a:ext cx="11210925" cy="744836"/>
+          </a:xfrm>
+        </p:spPr>
+        <p:txBody>
+          <a:bodyPr vert="horz" lIns="91440" tIns="45720" rIns="91440" bIns="45720" rtlCol="0" anchor="ctr">
+            <a:normAutofit/>
+          </a:bodyPr>
+          <a:lstStyle/>
+          <a:p>
+            <a:pPr algn="ctr"/>
+            <a:r>
+              <a:rPr lang="en-US" sz="3200" kern="1200">
+                <a:solidFill>
+                  <a:schemeClr val="bg1"/>
+                </a:solidFill>
+                <a:latin typeface="+mj-lt"/>
+                <a:ea typeface="+mj-ea"/>
+                <a:cs typeface="+mj-cs"/>
+              </a:rPr>
+              <a:t>Examples of Crayon in Action</a:t>
+            </a:r>
+          </a:p>
+        </p:txBody>
+      </p:sp>
+      <p:pic>
+        <p:nvPicPr>
+          <p:cNvPr id="1026" name="Picture 2">
+            <a:extLst>
+              <a:ext uri="{FF2B5EF4-FFF2-40B4-BE49-F238E27FC236}">
+                <a16:creationId xmlns:a16="http://schemas.microsoft.com/office/drawing/2014/main" id="{A3B9C37B-0B4D-4587-AE56-92C1CB32718F}"/>
+              </a:ext>
+            </a:extLst>
+          </p:cNvPr>
+          <p:cNvPicPr>
+            <a:picLocks noChangeAspect="1" noChangeArrowheads="1"/>
+          </p:cNvPicPr>
+          <p:nvPr/>
+        </p:nvPicPr>
+        <p:blipFill>
+          <a:blip r:embed="rId2">
+            <a:extLst>
+              <a:ext uri="{28A0092B-C50C-407E-A947-70E740481C1C}">
+                <a14:useLocalDpi xmlns:a14="http://schemas.microsoft.com/office/drawing/2010/main" val="0"/>
+              </a:ext>
+            </a:extLst>
+          </a:blip>
+          <a:srcRect/>
+          <a:stretch>
+            <a:fillRect/>
+          </a:stretch>
+        </p:blipFill>
+        <p:spPr bwMode="auto">
+          <a:xfrm>
+            <a:off x="383277" y="1860625"/>
+            <a:ext cx="5392738" cy="4005263"/>
+          </a:xfrm>
+          <a:prstGeom prst="rect">
+            <a:avLst/>
+          </a:prstGeom>
+          <a:extLst>
+            <a:ext uri="{909E8E84-426E-40DD-AFC4-6F175D3DCCD1}">
+              <a14:hiddenFill xmlns:a14="http://schemas.microsoft.com/office/drawing/2010/main">
+                <a:solidFill>
+                  <a:srgbClr val="FFFFFF"/>
+                </a:solidFill>
+              </a14:hiddenFill>
+            </a:ext>
+          </a:extLst>
+        </p:spPr>
+      </p:pic>
+      <p:pic>
+        <p:nvPicPr>
+          <p:cNvPr id="5" name="Picture 4">
+            <a:extLst>
+              <a:ext uri="{FF2B5EF4-FFF2-40B4-BE49-F238E27FC236}">
+                <a16:creationId xmlns:a16="http://schemas.microsoft.com/office/drawing/2014/main" id="{FE07A754-5815-47A0-BE8A-AAD8C1E565FD}"/>
+              </a:ext>
+            </a:extLst>
+          </p:cNvPr>
+          <p:cNvPicPr>
+            <a:picLocks noChangeAspect="1"/>
+          </p:cNvPicPr>
+          <p:nvPr/>
+        </p:nvPicPr>
+        <p:blipFill>
+          <a:blip r:embed="rId3"/>
+          <a:stretch>
+            <a:fillRect/>
+          </a:stretch>
+        </p:blipFill>
+        <p:spPr>
+          <a:xfrm>
+            <a:off x="6161994" y="1860625"/>
+            <a:ext cx="5346700" cy="4005263"/>
+          </a:xfrm>
+          <a:prstGeom prst="rect">
+            <a:avLst/>
+          </a:prstGeom>
+        </p:spPr>
+      </p:pic>
+    </p:spTree>
+    <p:extLst>
+      <p:ext uri="{BB962C8B-B14F-4D97-AF65-F5344CB8AC3E}">
+        <p14:creationId xmlns:p14="http://schemas.microsoft.com/office/powerpoint/2010/main" val="1664007062"/>
+      </p:ext>
+    </p:extLst>
+  </p:cSld>
+  <p:clrMapOvr>
+    <a:masterClrMapping/>
+  </p:clrMapOvr>
+</p:sld>
+</file>
+
+<file path=ppt/slides/slide15.xml><?xml version="1.0" encoding="utf-8"?>
+<p:sld xmlns:a="http://schemas.openxmlformats.org/drawingml/2006/main" xmlns:r="http://schemas.openxmlformats.org/officeDocument/2006/relationships" xmlns:p="http://schemas.openxmlformats.org/presentationml/2006/main">
+  <p:cSld>
+    <p:spTree>
+      <p:nvGrpSpPr>
+        <p:cNvPr id="1" name=""/>
+        <p:cNvGrpSpPr/>
+        <p:nvPr/>
+      </p:nvGrpSpPr>
+      <p:grpSpPr>
+        <a:xfrm>
+          <a:off x="0" y="0"/>
+          <a:ext cx="0" cy="0"/>
+          <a:chOff x="0" y="0"/>
+          <a:chExt cx="0" cy="0"/>
+        </a:xfrm>
+      </p:grpSpPr>
+      <p:sp>
+        <p:nvSpPr>
+          <p:cNvPr id="2" name="Title 1">
+            <a:extLst>
+              <a:ext uri="{FF2B5EF4-FFF2-40B4-BE49-F238E27FC236}">
+                <a16:creationId xmlns:a16="http://schemas.microsoft.com/office/drawing/2014/main" id="{177D3257-2DD9-4F40-A243-B3B3C03AE35D}"/>
+              </a:ext>
+            </a:extLst>
+          </p:cNvPr>
+          <p:cNvSpPr>
+            <a:spLocks noGrp="1"/>
+          </p:cNvSpPr>
+          <p:nvPr>
+            <p:ph type="title"/>
+          </p:nvPr>
+        </p:nvSpPr>
+        <p:spPr/>
+        <p:txBody>
+          <a:bodyPr/>
+          <a:lstStyle/>
+          <a:p>
+            <a:r>
+              <a:rPr lang="en-AU" dirty="0"/>
+              <a:t>Pros and Cons of Crayon/Dreamcast</a:t>
+            </a:r>
+          </a:p>
+        </p:txBody>
+      </p:sp>
+      <p:graphicFrame>
+        <p:nvGraphicFramePr>
+          <p:cNvPr id="4" name="Table 4">
+            <a:extLst>
+              <a:ext uri="{FF2B5EF4-FFF2-40B4-BE49-F238E27FC236}">
+                <a16:creationId xmlns:a16="http://schemas.microsoft.com/office/drawing/2014/main" id="{3E6567A7-CEC7-4FAA-B382-644C4B7B4D25}"/>
+              </a:ext>
+            </a:extLst>
+          </p:cNvPr>
+          <p:cNvGraphicFramePr>
+            <a:graphicFrameLocks noGrp="1"/>
+          </p:cNvGraphicFramePr>
+          <p:nvPr>
+            <p:extLst>
+              <p:ext uri="{D42A27DB-BD31-4B8C-83A1-F6EECF244321}">
+                <p14:modId xmlns:p14="http://schemas.microsoft.com/office/powerpoint/2010/main" val="789496439"/>
+              </p:ext>
+            </p:extLst>
+          </p:nvPr>
+        </p:nvGraphicFramePr>
+        <p:xfrm>
+          <a:off x="838199" y="1574800"/>
+          <a:ext cx="10515600" cy="4617720"/>
+        </p:xfrm>
+        <a:graphic>
+          <a:graphicData uri="http://schemas.openxmlformats.org/drawingml/2006/table">
+            <a:tbl>
+              <a:tblPr firstRow="1" bandRow="1">
+                <a:tableStyleId>{5C22544A-7EE6-4342-B048-85BDC9FD1C3A}</a:tableStyleId>
+              </a:tblPr>
+              <a:tblGrid>
+                <a:gridCol w="3505200">
+                  <a:extLst>
+                    <a:ext uri="{9D8B030D-6E8A-4147-A177-3AD203B41FA5}">
+                      <a16:colId xmlns:a16="http://schemas.microsoft.com/office/drawing/2014/main" val="126208333"/>
+                    </a:ext>
+                  </a:extLst>
+                </a:gridCol>
+                <a:gridCol w="3505200">
+                  <a:extLst>
+                    <a:ext uri="{9D8B030D-6E8A-4147-A177-3AD203B41FA5}">
+                      <a16:colId xmlns:a16="http://schemas.microsoft.com/office/drawing/2014/main" val="2575699509"/>
+                    </a:ext>
+                  </a:extLst>
+                </a:gridCol>
+                <a:gridCol w="3505200">
+                  <a:extLst>
+                    <a:ext uri="{9D8B030D-6E8A-4147-A177-3AD203B41FA5}">
+                      <a16:colId xmlns:a16="http://schemas.microsoft.com/office/drawing/2014/main" val="370423616"/>
+                    </a:ext>
+                  </a:extLst>
+                </a:gridCol>
+              </a:tblGrid>
+              <a:tr h="370840">
+                <a:tc>
+                  <a:txBody>
+                    <a:bodyPr/>
+                    <a:lstStyle/>
+                    <a:p>
+                      <a:endParaRPr lang="en-AU" dirty="0"/>
+                    </a:p>
+                  </a:txBody>
+                  <a:tcPr/>
+                </a:tc>
+                <a:tc>
+                  <a:txBody>
+                    <a:bodyPr/>
+                    <a:lstStyle/>
+                    <a:p>
+                      <a:r>
+                        <a:rPr lang="en-AU" dirty="0"/>
+                        <a:t>Modern Systems/Modern Engines (OpenGL, Vulcan, </a:t>
+                      </a:r>
+                      <a:r>
+                        <a:rPr lang="en-AU" dirty="0" err="1"/>
+                        <a:t>Gamemaker</a:t>
+                      </a:r>
+                      <a:r>
+                        <a:rPr lang="en-AU" dirty="0"/>
+                        <a:t>)</a:t>
+                      </a:r>
+                    </a:p>
+                  </a:txBody>
+                  <a:tcPr/>
+                </a:tc>
+                <a:tc>
+                  <a:txBody>
+                    <a:bodyPr/>
+                    <a:lstStyle/>
+                    <a:p>
+                      <a:r>
+                        <a:rPr lang="en-AU" dirty="0"/>
+                        <a:t>Dreamcast/Crayon</a:t>
+                      </a:r>
+                    </a:p>
+                  </a:txBody>
+                  <a:tcPr/>
+                </a:tc>
+                <a:extLst>
+                  <a:ext uri="{0D108BD9-81ED-4DB2-BD59-A6C34878D82A}">
+                    <a16:rowId xmlns:a16="http://schemas.microsoft.com/office/drawing/2014/main" val="2766640837"/>
+                  </a:ext>
+                </a:extLst>
+              </a:tr>
+              <a:tr h="370840">
+                <a:tc>
+                  <a:txBody>
+                    <a:bodyPr/>
+                    <a:lstStyle/>
+                    <a:p>
+                      <a:r>
+                        <a:rPr lang="en-AU" dirty="0"/>
+                        <a:t>Has 2D support</a:t>
+                      </a:r>
+                    </a:p>
+                  </a:txBody>
+                  <a:tcPr/>
+                </a:tc>
+                <a:tc>
+                  <a:txBody>
+                    <a:bodyPr/>
+                    <a:lstStyle/>
+                    <a:p>
+                      <a:pPr marL="0" marR="0" lvl="0" indent="0" algn="l" defTabSz="914400" rtl="0" eaLnBrk="1" fontAlgn="auto" latinLnBrk="0" hangingPunct="1">
+                        <a:lnSpc>
+                          <a:spcPct val="100000"/>
+                        </a:lnSpc>
+                        <a:spcBef>
+                          <a:spcPts val="0"/>
+                        </a:spcBef>
+                        <a:spcAft>
+                          <a:spcPts val="0"/>
+                        </a:spcAft>
+                        <a:buClrTx/>
+                        <a:buSzTx/>
+                        <a:buFontTx/>
+                        <a:buNone/>
+                        <a:tabLst/>
+                        <a:defRPr/>
+                      </a:pPr>
+                      <a:r>
+                        <a:rPr lang="en-AU" sz="1800" b="0" i="0" kern="1200" dirty="0">
+                          <a:solidFill>
+                            <a:srgbClr val="00B050"/>
+                          </a:solidFill>
+                          <a:effectLst/>
+                          <a:latin typeface="+mn-lt"/>
+                          <a:ea typeface="+mn-ea"/>
+                          <a:cs typeface="+mn-cs"/>
+                        </a:rPr>
+                        <a:t>✔️</a:t>
+                      </a:r>
+                    </a:p>
+                  </a:txBody>
+                  <a:tcPr/>
+                </a:tc>
+                <a:tc>
+                  <a:txBody>
+                    <a:bodyPr/>
+                    <a:lstStyle/>
+                    <a:p>
+                      <a:pPr marL="0" marR="0" lvl="0" indent="0" algn="l" defTabSz="914400" rtl="0" eaLnBrk="1" fontAlgn="auto" latinLnBrk="0" hangingPunct="1">
+                        <a:lnSpc>
+                          <a:spcPct val="100000"/>
+                        </a:lnSpc>
+                        <a:spcBef>
+                          <a:spcPts val="0"/>
+                        </a:spcBef>
+                        <a:spcAft>
+                          <a:spcPts val="0"/>
+                        </a:spcAft>
+                        <a:buClrTx/>
+                        <a:buSzTx/>
+                        <a:buFontTx/>
+                        <a:buNone/>
+                        <a:tabLst/>
+                        <a:defRPr/>
+                      </a:pPr>
+                      <a:r>
+                        <a:rPr lang="en-AU" sz="1800" b="0" i="0" kern="1200" dirty="0">
+                          <a:solidFill>
+                            <a:srgbClr val="00B050"/>
+                          </a:solidFill>
+                          <a:effectLst/>
+                          <a:latin typeface="+mn-lt"/>
+                          <a:ea typeface="+mn-ea"/>
+                          <a:cs typeface="+mn-cs"/>
+                        </a:rPr>
+                        <a:t>✔️</a:t>
+                      </a:r>
+                    </a:p>
+                  </a:txBody>
+                  <a:tcPr/>
+                </a:tc>
+                <a:extLst>
+                  <a:ext uri="{0D108BD9-81ED-4DB2-BD59-A6C34878D82A}">
+                    <a16:rowId xmlns:a16="http://schemas.microsoft.com/office/drawing/2014/main" val="3675122380"/>
+                  </a:ext>
+                </a:extLst>
+              </a:tr>
+              <a:tr h="370840">
+                <a:tc>
+                  <a:txBody>
+                    <a:bodyPr/>
+                    <a:lstStyle/>
+                    <a:p>
+                      <a:r>
+                        <a:rPr lang="en-AU" dirty="0"/>
+                        <a:t>Has 3D support</a:t>
+                      </a:r>
+                    </a:p>
+                  </a:txBody>
+                  <a:tcPr/>
+                </a:tc>
+                <a:tc>
+                  <a:txBody>
+                    <a:bodyPr/>
+                    <a:lstStyle/>
+                    <a:p>
+                      <a:pPr marL="0" marR="0" lvl="0" indent="0" algn="l" defTabSz="914400" rtl="0" eaLnBrk="1" fontAlgn="auto" latinLnBrk="0" hangingPunct="1">
+                        <a:lnSpc>
+                          <a:spcPct val="100000"/>
+                        </a:lnSpc>
+                        <a:spcBef>
+                          <a:spcPts val="0"/>
+                        </a:spcBef>
+                        <a:spcAft>
+                          <a:spcPts val="0"/>
+                        </a:spcAft>
+                        <a:buClrTx/>
+                        <a:buSzTx/>
+                        <a:buFontTx/>
+                        <a:buNone/>
+                        <a:tabLst/>
+                        <a:defRPr/>
+                      </a:pPr>
+                      <a:r>
+                        <a:rPr lang="en-AU" sz="1800" b="0" i="0" kern="1200" dirty="0">
+                          <a:solidFill>
+                            <a:srgbClr val="00B050"/>
+                          </a:solidFill>
+                          <a:effectLst/>
+                          <a:latin typeface="+mn-lt"/>
+                          <a:ea typeface="+mn-ea"/>
+                          <a:cs typeface="+mn-cs"/>
+                        </a:rPr>
+                        <a:t>✔️</a:t>
+                      </a:r>
+                      <a:endParaRPr lang="en-AU" sz="1800" b="1" i="0" kern="1200" dirty="0">
+                        <a:solidFill>
+                          <a:srgbClr val="00B050"/>
+                        </a:solidFill>
+                        <a:effectLst/>
+                        <a:latin typeface="+mn-lt"/>
+                        <a:ea typeface="+mn-ea"/>
+                        <a:cs typeface="+mn-cs"/>
+                      </a:endParaRPr>
+                    </a:p>
+                  </a:txBody>
+                  <a:tcPr/>
+                </a:tc>
+                <a:tc>
+                  <a:txBody>
+                    <a:bodyPr/>
+                    <a:lstStyle/>
+                    <a:p>
+                      <a:pPr marL="0" marR="0" lvl="0" indent="0" algn="l" defTabSz="914400" rtl="0" eaLnBrk="1" fontAlgn="auto" latinLnBrk="0" hangingPunct="1">
+                        <a:lnSpc>
+                          <a:spcPct val="100000"/>
+                        </a:lnSpc>
+                        <a:spcBef>
+                          <a:spcPts val="0"/>
+                        </a:spcBef>
+                        <a:spcAft>
+                          <a:spcPts val="0"/>
+                        </a:spcAft>
+                        <a:buClrTx/>
+                        <a:buSzTx/>
+                        <a:buFontTx/>
+                        <a:buNone/>
+                        <a:tabLst/>
+                        <a:defRPr/>
+                      </a:pPr>
+                      <a:r>
+                        <a:rPr lang="en-AU" sz="1800" b="0" i="0" kern="1200" dirty="0">
+                          <a:solidFill>
+                            <a:srgbClr val="FF0000"/>
+                          </a:solidFill>
+                          <a:effectLst/>
+                          <a:latin typeface="+mn-lt"/>
+                          <a:ea typeface="+mn-ea"/>
+                          <a:cs typeface="+mn-cs"/>
+                        </a:rPr>
+                        <a:t>❌</a:t>
+                      </a:r>
+                      <a:endParaRPr lang="en-AU" sz="1800" b="1" i="0" kern="1200" dirty="0">
+                        <a:solidFill>
+                          <a:srgbClr val="FF0000"/>
+                        </a:solidFill>
+                        <a:effectLst/>
+                        <a:latin typeface="+mn-lt"/>
+                        <a:ea typeface="+mn-ea"/>
+                        <a:cs typeface="+mn-cs"/>
+                      </a:endParaRPr>
+                    </a:p>
+                  </a:txBody>
+                  <a:tcPr/>
+                </a:tc>
+                <a:extLst>
+                  <a:ext uri="{0D108BD9-81ED-4DB2-BD59-A6C34878D82A}">
+                    <a16:rowId xmlns:a16="http://schemas.microsoft.com/office/drawing/2014/main" val="3570492863"/>
+                  </a:ext>
+                </a:extLst>
+              </a:tr>
+              <a:tr h="370840">
+                <a:tc>
+                  <a:txBody>
+                    <a:bodyPr/>
+                    <a:lstStyle/>
+                    <a:p>
+                      <a:r>
+                        <a:rPr lang="en-AU" dirty="0"/>
+                        <a:t>Can support 16:9</a:t>
+                      </a:r>
+                    </a:p>
+                  </a:txBody>
+                  <a:tcPr/>
+                </a:tc>
+                <a:tc>
+                  <a:txBody>
+                    <a:bodyPr/>
+                    <a:lstStyle/>
+                    <a:p>
+                      <a:pPr marL="0" marR="0" lvl="0" indent="0" algn="l" defTabSz="914400" rtl="0" eaLnBrk="1" fontAlgn="auto" latinLnBrk="0" hangingPunct="1">
+                        <a:lnSpc>
+                          <a:spcPct val="100000"/>
+                        </a:lnSpc>
+                        <a:spcBef>
+                          <a:spcPts val="0"/>
+                        </a:spcBef>
+                        <a:spcAft>
+                          <a:spcPts val="0"/>
+                        </a:spcAft>
+                        <a:buClrTx/>
+                        <a:buSzTx/>
+                        <a:buFontTx/>
+                        <a:buNone/>
+                        <a:tabLst/>
+                        <a:defRPr/>
+                      </a:pPr>
+                      <a:r>
+                        <a:rPr lang="en-AU" sz="1800" b="0" i="0" kern="1200" dirty="0">
+                          <a:solidFill>
+                            <a:srgbClr val="00B050"/>
+                          </a:solidFill>
+                          <a:effectLst/>
+                          <a:latin typeface="+mn-lt"/>
+                          <a:ea typeface="+mn-ea"/>
+                          <a:cs typeface="+mn-cs"/>
+                        </a:rPr>
+                        <a:t>✔️</a:t>
+                      </a:r>
+                      <a:endParaRPr lang="en-AU" sz="1800" b="1" i="0" kern="1200" dirty="0">
+                        <a:solidFill>
+                          <a:srgbClr val="00B050"/>
+                        </a:solidFill>
+                        <a:effectLst/>
+                        <a:latin typeface="+mn-lt"/>
+                        <a:ea typeface="+mn-ea"/>
+                        <a:cs typeface="+mn-cs"/>
+                      </a:endParaRPr>
+                    </a:p>
+                  </a:txBody>
+                  <a:tcPr/>
+                </a:tc>
+                <a:tc>
+                  <a:txBody>
+                    <a:bodyPr/>
+                    <a:lstStyle/>
+                    <a:p>
+                      <a:pPr marL="0" marR="0" lvl="0" indent="0" algn="l" defTabSz="914400" rtl="0" eaLnBrk="1" fontAlgn="auto" latinLnBrk="0" hangingPunct="1">
+                        <a:lnSpc>
+                          <a:spcPct val="100000"/>
+                        </a:lnSpc>
+                        <a:spcBef>
+                          <a:spcPts val="0"/>
+                        </a:spcBef>
+                        <a:spcAft>
+                          <a:spcPts val="0"/>
+                        </a:spcAft>
+                        <a:buClrTx/>
+                        <a:buSzTx/>
+                        <a:buFontTx/>
+                        <a:buNone/>
+                        <a:tabLst/>
+                        <a:defRPr/>
+                      </a:pPr>
+                      <a:r>
+                        <a:rPr lang="en-AU" sz="1800" b="0" i="0" kern="1200" dirty="0">
+                          <a:solidFill>
+                            <a:srgbClr val="00B050"/>
+                          </a:solidFill>
+                          <a:effectLst/>
+                          <a:latin typeface="+mn-lt"/>
+                          <a:ea typeface="+mn-ea"/>
+                          <a:cs typeface="+mn-cs"/>
+                        </a:rPr>
+                        <a:t>✔️</a:t>
+                      </a:r>
+                      <a:r>
+                        <a:rPr lang="en-AU" sz="1800" b="0" i="0" kern="1200" dirty="0">
+                          <a:solidFill>
+                            <a:schemeClr val="tx1"/>
+                          </a:solidFill>
+                          <a:effectLst/>
+                          <a:latin typeface="+mn-lt"/>
+                          <a:ea typeface="+mn-ea"/>
+                          <a:cs typeface="+mn-cs"/>
+                        </a:rPr>
+                        <a:t>*</a:t>
+                      </a:r>
+                      <a:endParaRPr lang="en-AU" sz="1800" b="1" i="0" kern="1200" dirty="0">
+                        <a:solidFill>
+                          <a:schemeClr val="tx1"/>
+                        </a:solidFill>
+                        <a:effectLst/>
+                        <a:latin typeface="+mn-lt"/>
+                        <a:ea typeface="+mn-ea"/>
+                        <a:cs typeface="+mn-cs"/>
+                      </a:endParaRPr>
+                    </a:p>
+                  </a:txBody>
+                  <a:tcPr/>
+                </a:tc>
+                <a:extLst>
+                  <a:ext uri="{0D108BD9-81ED-4DB2-BD59-A6C34878D82A}">
+                    <a16:rowId xmlns:a16="http://schemas.microsoft.com/office/drawing/2014/main" val="4079912404"/>
+                  </a:ext>
+                </a:extLst>
+              </a:tr>
+              <a:tr h="370840">
+                <a:tc>
+                  <a:txBody>
+                    <a:bodyPr/>
+                    <a:lstStyle/>
+                    <a:p>
+                      <a:r>
+                        <a:rPr lang="en-AU" dirty="0"/>
+                        <a:t>Can use Physical Media</a:t>
+                      </a:r>
+                    </a:p>
+                  </a:txBody>
+                  <a:tcPr/>
+                </a:tc>
+                <a:tc>
+                  <a:txBody>
+                    <a:bodyPr/>
+                    <a:lstStyle/>
+                    <a:p>
+                      <a:pPr marL="0" marR="0" lvl="0" indent="0" algn="l" defTabSz="914400" rtl="0" eaLnBrk="1" fontAlgn="auto" latinLnBrk="0" hangingPunct="1">
+                        <a:lnSpc>
+                          <a:spcPct val="100000"/>
+                        </a:lnSpc>
+                        <a:spcBef>
+                          <a:spcPts val="0"/>
+                        </a:spcBef>
+                        <a:spcAft>
+                          <a:spcPts val="0"/>
+                        </a:spcAft>
+                        <a:buClrTx/>
+                        <a:buSzTx/>
+                        <a:buFontTx/>
+                        <a:buNone/>
+                        <a:tabLst/>
+                        <a:defRPr/>
+                      </a:pPr>
+                      <a:r>
+                        <a:rPr lang="en-AU" sz="1800" b="0" i="0" kern="1200" dirty="0">
+                          <a:solidFill>
+                            <a:srgbClr val="00B050"/>
+                          </a:solidFill>
+                          <a:effectLst/>
+                          <a:latin typeface="+mn-lt"/>
+                          <a:ea typeface="+mn-ea"/>
+                          <a:cs typeface="+mn-cs"/>
+                        </a:rPr>
+                        <a:t>✔️</a:t>
+                      </a:r>
+                      <a:endParaRPr lang="en-AU" sz="1800" b="1" i="0" kern="1200" dirty="0">
+                        <a:solidFill>
+                          <a:srgbClr val="00B050"/>
+                        </a:solidFill>
+                        <a:effectLst/>
+                        <a:latin typeface="+mn-lt"/>
+                        <a:ea typeface="+mn-ea"/>
+                        <a:cs typeface="+mn-cs"/>
+                      </a:endParaRPr>
+                    </a:p>
+                  </a:txBody>
+                  <a:tcPr/>
+                </a:tc>
+                <a:tc>
+                  <a:txBody>
+                    <a:bodyPr/>
+                    <a:lstStyle/>
+                    <a:p>
+                      <a:pPr marL="0" marR="0" lvl="0" indent="0" algn="l" defTabSz="914400" rtl="0" eaLnBrk="1" fontAlgn="auto" latinLnBrk="0" hangingPunct="1">
+                        <a:lnSpc>
+                          <a:spcPct val="100000"/>
+                        </a:lnSpc>
+                        <a:spcBef>
+                          <a:spcPts val="0"/>
+                        </a:spcBef>
+                        <a:spcAft>
+                          <a:spcPts val="0"/>
+                        </a:spcAft>
+                        <a:buClrTx/>
+                        <a:buSzTx/>
+                        <a:buFontTx/>
+                        <a:buNone/>
+                        <a:tabLst/>
+                        <a:defRPr/>
+                      </a:pPr>
+                      <a:r>
+                        <a:rPr lang="en-AU" sz="1800" b="0" i="0" kern="1200" dirty="0">
+                          <a:solidFill>
+                            <a:srgbClr val="00B050"/>
+                          </a:solidFill>
+                          <a:effectLst/>
+                          <a:latin typeface="+mn-lt"/>
+                          <a:ea typeface="+mn-ea"/>
+                          <a:cs typeface="+mn-cs"/>
+                        </a:rPr>
+                        <a:t>✔️</a:t>
+                      </a:r>
+                      <a:endParaRPr lang="en-AU" sz="1800" b="1" i="0" kern="1200" dirty="0">
+                        <a:solidFill>
+                          <a:srgbClr val="00B050"/>
+                        </a:solidFill>
+                        <a:effectLst/>
+                        <a:latin typeface="+mn-lt"/>
+                        <a:ea typeface="+mn-ea"/>
+                        <a:cs typeface="+mn-cs"/>
+                      </a:endParaRPr>
+                    </a:p>
+                  </a:txBody>
+                  <a:tcPr/>
+                </a:tc>
+                <a:extLst>
+                  <a:ext uri="{0D108BD9-81ED-4DB2-BD59-A6C34878D82A}">
+                    <a16:rowId xmlns:a16="http://schemas.microsoft.com/office/drawing/2014/main" val="4174760057"/>
+                  </a:ext>
+                </a:extLst>
+              </a:tr>
+              <a:tr h="370840">
+                <a:tc>
+                  <a:txBody>
+                    <a:bodyPr/>
+                    <a:lstStyle/>
+                    <a:p>
+                      <a:r>
+                        <a:rPr lang="en-AU" dirty="0"/>
+                        <a:t>Camera/Perspective Support</a:t>
+                      </a:r>
+                    </a:p>
+                  </a:txBody>
+                  <a:tcPr/>
+                </a:tc>
+                <a:tc>
+                  <a:txBody>
+                    <a:bodyPr/>
+                    <a:lstStyle/>
+                    <a:p>
+                      <a:pPr marL="0" marR="0" lvl="0" indent="0" algn="l" defTabSz="914400" rtl="0" eaLnBrk="1" fontAlgn="auto" latinLnBrk="0" hangingPunct="1">
+                        <a:lnSpc>
+                          <a:spcPct val="100000"/>
+                        </a:lnSpc>
+                        <a:spcBef>
+                          <a:spcPts val="0"/>
+                        </a:spcBef>
+                        <a:spcAft>
+                          <a:spcPts val="0"/>
+                        </a:spcAft>
+                        <a:buClrTx/>
+                        <a:buSzTx/>
+                        <a:buFontTx/>
+                        <a:buNone/>
+                        <a:tabLst/>
+                        <a:defRPr/>
+                      </a:pPr>
+                      <a:r>
+                        <a:rPr lang="en-AU" sz="1800" b="0" i="0" kern="1200" dirty="0">
+                          <a:solidFill>
+                            <a:srgbClr val="00B050"/>
+                          </a:solidFill>
+                          <a:effectLst/>
+                          <a:latin typeface="+mn-lt"/>
+                          <a:ea typeface="+mn-ea"/>
+                          <a:cs typeface="+mn-cs"/>
+                        </a:rPr>
+                        <a:t>✔️</a:t>
+                      </a:r>
+                      <a:endParaRPr lang="en-AU" sz="1800" b="1" i="0" kern="1200" dirty="0">
+                        <a:solidFill>
+                          <a:srgbClr val="00B050"/>
+                        </a:solidFill>
+                        <a:effectLst/>
+                        <a:latin typeface="+mn-lt"/>
+                        <a:ea typeface="+mn-ea"/>
+                        <a:cs typeface="+mn-cs"/>
+                      </a:endParaRPr>
+                    </a:p>
+                  </a:txBody>
+                  <a:tcPr/>
+                </a:tc>
+                <a:tc>
+                  <a:txBody>
+                    <a:bodyPr/>
+                    <a:lstStyle/>
+                    <a:p>
+                      <a:pPr marL="0" marR="0" lvl="0" indent="0" algn="l" defTabSz="914400" rtl="0" eaLnBrk="1" fontAlgn="auto" latinLnBrk="0" hangingPunct="1">
+                        <a:lnSpc>
+                          <a:spcPct val="100000"/>
+                        </a:lnSpc>
+                        <a:spcBef>
+                          <a:spcPts val="0"/>
+                        </a:spcBef>
+                        <a:spcAft>
+                          <a:spcPts val="0"/>
+                        </a:spcAft>
+                        <a:buClrTx/>
+                        <a:buSzTx/>
+                        <a:buFontTx/>
+                        <a:buNone/>
+                        <a:tabLst/>
+                        <a:defRPr/>
+                      </a:pPr>
+                      <a:r>
+                        <a:rPr lang="en-AU" sz="1800" b="0" i="0" kern="1200" dirty="0">
+                          <a:solidFill>
+                            <a:srgbClr val="FFC000"/>
+                          </a:solidFill>
+                          <a:effectLst/>
+                          <a:latin typeface="+mn-lt"/>
+                          <a:ea typeface="+mn-ea"/>
+                          <a:cs typeface="+mn-cs"/>
+                        </a:rPr>
+                        <a:t>➖</a:t>
+                      </a:r>
+                      <a:endParaRPr lang="en-AU" sz="1800" b="1" i="0" kern="1200" dirty="0">
+                        <a:solidFill>
+                          <a:srgbClr val="FFC000"/>
+                        </a:solidFill>
+                        <a:effectLst/>
+                        <a:latin typeface="+mn-lt"/>
+                        <a:ea typeface="+mn-ea"/>
+                        <a:cs typeface="+mn-cs"/>
+                      </a:endParaRPr>
+                    </a:p>
+                  </a:txBody>
+                  <a:tcPr/>
+                </a:tc>
+                <a:extLst>
+                  <a:ext uri="{0D108BD9-81ED-4DB2-BD59-A6C34878D82A}">
+                    <a16:rowId xmlns:a16="http://schemas.microsoft.com/office/drawing/2014/main" val="2599511314"/>
+                  </a:ext>
+                </a:extLst>
+              </a:tr>
+              <a:tr h="370840">
+                <a:tc>
+                  <a:txBody>
+                    <a:bodyPr/>
+                    <a:lstStyle/>
+                    <a:p>
+                      <a:r>
+                        <a:rPr lang="en-AU" dirty="0"/>
+                        <a:t>Internet Capabilities</a:t>
+                      </a:r>
+                    </a:p>
+                  </a:txBody>
+                  <a:tcPr/>
+                </a:tc>
+                <a:tc>
+                  <a:txBody>
+                    <a:bodyPr/>
+                    <a:lstStyle/>
+                    <a:p>
+                      <a:pPr marL="0" marR="0" lvl="0" indent="0" algn="l" defTabSz="914400" rtl="0" eaLnBrk="1" fontAlgn="auto" latinLnBrk="0" hangingPunct="1">
+                        <a:lnSpc>
+                          <a:spcPct val="100000"/>
+                        </a:lnSpc>
+                        <a:spcBef>
+                          <a:spcPts val="0"/>
+                        </a:spcBef>
+                        <a:spcAft>
+                          <a:spcPts val="0"/>
+                        </a:spcAft>
+                        <a:buClrTx/>
+                        <a:buSzTx/>
+                        <a:buFontTx/>
+                        <a:buNone/>
+                        <a:tabLst/>
+                        <a:defRPr/>
+                      </a:pPr>
+                      <a:r>
+                        <a:rPr lang="en-AU" sz="1800" b="0" i="0" kern="1200" dirty="0">
+                          <a:solidFill>
+                            <a:srgbClr val="00B050"/>
+                          </a:solidFill>
+                          <a:effectLst/>
+                          <a:latin typeface="+mn-lt"/>
+                          <a:ea typeface="+mn-ea"/>
+                          <a:cs typeface="+mn-cs"/>
+                        </a:rPr>
+                        <a:t>✔️</a:t>
+                      </a:r>
+                      <a:endParaRPr lang="en-AU" sz="1800" b="1" i="0" kern="1200" dirty="0">
+                        <a:solidFill>
+                          <a:srgbClr val="00B050"/>
+                        </a:solidFill>
+                        <a:effectLst/>
+                        <a:latin typeface="+mn-lt"/>
+                        <a:ea typeface="+mn-ea"/>
+                        <a:cs typeface="+mn-cs"/>
+                      </a:endParaRPr>
+                    </a:p>
+                  </a:txBody>
+                  <a:tcPr/>
+                </a:tc>
+                <a:tc>
+                  <a:txBody>
+                    <a:bodyPr/>
+                    <a:lstStyle/>
+                    <a:p>
+                      <a:pPr marL="0" marR="0" lvl="0" indent="0" algn="l" defTabSz="914400" rtl="0" eaLnBrk="1" fontAlgn="auto" latinLnBrk="0" hangingPunct="1">
+                        <a:lnSpc>
+                          <a:spcPct val="100000"/>
+                        </a:lnSpc>
+                        <a:spcBef>
+                          <a:spcPts val="0"/>
+                        </a:spcBef>
+                        <a:spcAft>
+                          <a:spcPts val="0"/>
+                        </a:spcAft>
+                        <a:buClrTx/>
+                        <a:buSzTx/>
+                        <a:buFontTx/>
+                        <a:buNone/>
+                        <a:tabLst/>
+                        <a:defRPr/>
+                      </a:pPr>
+                      <a:r>
+                        <a:rPr lang="en-AU" sz="1800" b="0" i="0" kern="1200" dirty="0">
+                          <a:solidFill>
+                            <a:srgbClr val="00B050"/>
+                          </a:solidFill>
+                          <a:effectLst/>
+                          <a:latin typeface="+mn-lt"/>
+                          <a:ea typeface="+mn-ea"/>
+                          <a:cs typeface="+mn-cs"/>
+                        </a:rPr>
+                        <a:t>✔️</a:t>
+                      </a:r>
+                      <a:endParaRPr lang="en-AU" sz="1800" b="1" i="0" kern="1200" dirty="0">
+                        <a:solidFill>
+                          <a:srgbClr val="00B050"/>
+                        </a:solidFill>
+                        <a:effectLst/>
+                        <a:latin typeface="+mn-lt"/>
+                        <a:ea typeface="+mn-ea"/>
+                        <a:cs typeface="+mn-cs"/>
+                      </a:endParaRPr>
+                    </a:p>
+                  </a:txBody>
+                  <a:tcPr/>
+                </a:tc>
+                <a:extLst>
+                  <a:ext uri="{0D108BD9-81ED-4DB2-BD59-A6C34878D82A}">
+                    <a16:rowId xmlns:a16="http://schemas.microsoft.com/office/drawing/2014/main" val="3787945915"/>
+                  </a:ext>
+                </a:extLst>
+              </a:tr>
+              <a:tr h="370840">
+                <a:tc>
+                  <a:txBody>
+                    <a:bodyPr/>
+                    <a:lstStyle/>
+                    <a:p>
+                      <a:r>
+                        <a:rPr lang="en-AU" dirty="0"/>
+                        <a:t>We are experience with the engine</a:t>
+                      </a:r>
+                    </a:p>
+                  </a:txBody>
+                  <a:tcPr/>
+                </a:tc>
+                <a:tc>
+                  <a:txBody>
+                    <a:bodyPr/>
+                    <a:lstStyle/>
+                    <a:p>
+                      <a:pPr marL="0" marR="0" lvl="0" indent="0" algn="l" defTabSz="914400" rtl="0" eaLnBrk="1" fontAlgn="auto" latinLnBrk="0" hangingPunct="1">
+                        <a:lnSpc>
+                          <a:spcPct val="100000"/>
+                        </a:lnSpc>
+                        <a:spcBef>
+                          <a:spcPts val="0"/>
+                        </a:spcBef>
+                        <a:spcAft>
+                          <a:spcPts val="0"/>
+                        </a:spcAft>
+                        <a:buClrTx/>
+                        <a:buSzTx/>
+                        <a:buFontTx/>
+                        <a:buNone/>
+                        <a:tabLst/>
+                        <a:defRPr/>
+                      </a:pPr>
+                      <a:r>
+                        <a:rPr lang="en-AU" sz="1800" b="0" i="0" kern="1200" dirty="0">
+                          <a:solidFill>
+                            <a:srgbClr val="FF0000"/>
+                          </a:solidFill>
+                          <a:effectLst/>
+                          <a:latin typeface="+mn-lt"/>
+                          <a:ea typeface="+mn-ea"/>
+                          <a:cs typeface="+mn-cs"/>
+                        </a:rPr>
+                        <a:t>❌</a:t>
+                      </a:r>
+                      <a:endParaRPr lang="en-AU" sz="1800" b="1" i="0" kern="1200" dirty="0">
+                        <a:solidFill>
+                          <a:srgbClr val="FF0000"/>
+                        </a:solidFill>
+                        <a:effectLst/>
+                        <a:latin typeface="+mn-lt"/>
+                        <a:ea typeface="+mn-ea"/>
+                        <a:cs typeface="+mn-cs"/>
+                      </a:endParaRPr>
+                    </a:p>
+                  </a:txBody>
+                  <a:tcPr/>
+                </a:tc>
+                <a:tc>
+                  <a:txBody>
+                    <a:bodyPr/>
+                    <a:lstStyle/>
+                    <a:p>
+                      <a:pPr marL="0" marR="0" lvl="0" indent="0" algn="l" defTabSz="914400" rtl="0" eaLnBrk="1" fontAlgn="auto" latinLnBrk="0" hangingPunct="1">
+                        <a:lnSpc>
+                          <a:spcPct val="100000"/>
+                        </a:lnSpc>
+                        <a:spcBef>
+                          <a:spcPts val="0"/>
+                        </a:spcBef>
+                        <a:spcAft>
+                          <a:spcPts val="0"/>
+                        </a:spcAft>
+                        <a:buClrTx/>
+                        <a:buSzTx/>
+                        <a:buFontTx/>
+                        <a:buNone/>
+                        <a:tabLst/>
+                        <a:defRPr/>
+                      </a:pPr>
+                      <a:r>
+                        <a:rPr lang="en-AU" sz="1800" b="0" i="0" kern="1200" dirty="0">
+                          <a:solidFill>
+                            <a:srgbClr val="00B050"/>
+                          </a:solidFill>
+                          <a:effectLst/>
+                          <a:latin typeface="+mn-lt"/>
+                          <a:ea typeface="+mn-ea"/>
+                          <a:cs typeface="+mn-cs"/>
+                        </a:rPr>
+                        <a:t>✔️</a:t>
+                      </a:r>
+                      <a:r>
+                        <a:rPr lang="en-AU" sz="1800" b="0" i="0" kern="1200" dirty="0">
+                          <a:solidFill>
+                            <a:schemeClr val="tx1"/>
+                          </a:solidFill>
+                          <a:effectLst/>
+                          <a:latin typeface="+mn-lt"/>
+                          <a:ea typeface="+mn-ea"/>
+                          <a:cs typeface="+mn-cs"/>
+                        </a:rPr>
+                        <a:t>(As Crayon’s creator, I know it)</a:t>
+                      </a:r>
+                      <a:endParaRPr lang="en-AU" sz="1800" b="1" i="0" kern="1200" dirty="0">
+                        <a:solidFill>
+                          <a:schemeClr val="tx1"/>
+                        </a:solidFill>
+                        <a:effectLst/>
+                        <a:latin typeface="+mn-lt"/>
+                        <a:ea typeface="+mn-ea"/>
+                        <a:cs typeface="+mn-cs"/>
+                      </a:endParaRPr>
+                    </a:p>
+                  </a:txBody>
+                  <a:tcPr/>
+                </a:tc>
+                <a:extLst>
+                  <a:ext uri="{0D108BD9-81ED-4DB2-BD59-A6C34878D82A}">
+                    <a16:rowId xmlns:a16="http://schemas.microsoft.com/office/drawing/2014/main" val="1952289378"/>
+                  </a:ext>
+                </a:extLst>
+              </a:tr>
+              <a:tr h="370840">
+                <a:tc>
+                  <a:txBody>
+                    <a:bodyPr/>
+                    <a:lstStyle/>
+                    <a:p>
+                      <a:r>
+                        <a:rPr lang="en-AU" dirty="0"/>
+                        <a:t>Retro Appeal</a:t>
+                      </a:r>
+                    </a:p>
+                  </a:txBody>
+                  <a:tcPr/>
+                </a:tc>
+                <a:tc>
+                  <a:txBody>
+                    <a:bodyPr/>
+                    <a:lstStyle/>
+                    <a:p>
+                      <a:pPr marL="0" marR="0" lvl="0" indent="0" algn="l" defTabSz="914400" rtl="0" eaLnBrk="1" fontAlgn="auto" latinLnBrk="0" hangingPunct="1">
+                        <a:lnSpc>
+                          <a:spcPct val="100000"/>
+                        </a:lnSpc>
+                        <a:spcBef>
+                          <a:spcPts val="0"/>
+                        </a:spcBef>
+                        <a:spcAft>
+                          <a:spcPts val="0"/>
+                        </a:spcAft>
+                        <a:buClrTx/>
+                        <a:buSzTx/>
+                        <a:buFontTx/>
+                        <a:buNone/>
+                        <a:tabLst/>
+                        <a:defRPr/>
+                      </a:pPr>
+                      <a:r>
+                        <a:rPr lang="en-AU" sz="1800" b="0" i="0" kern="1200" dirty="0">
+                          <a:solidFill>
+                            <a:srgbClr val="FF0000"/>
+                          </a:solidFill>
+                          <a:effectLst/>
+                          <a:latin typeface="+mn-lt"/>
+                          <a:ea typeface="+mn-ea"/>
+                          <a:cs typeface="+mn-cs"/>
+                        </a:rPr>
+                        <a:t>❌</a:t>
+                      </a:r>
+                      <a:endParaRPr lang="en-AU" sz="1800" b="1" i="0" kern="1200" dirty="0">
+                        <a:solidFill>
+                          <a:srgbClr val="FF0000"/>
+                        </a:solidFill>
+                        <a:effectLst/>
+                        <a:latin typeface="+mn-lt"/>
+                        <a:ea typeface="+mn-ea"/>
+                        <a:cs typeface="+mn-cs"/>
+                      </a:endParaRPr>
+                    </a:p>
+                  </a:txBody>
+                  <a:tcPr/>
+                </a:tc>
+                <a:tc>
+                  <a:txBody>
+                    <a:bodyPr/>
+                    <a:lstStyle/>
+                    <a:p>
+                      <a:r>
+                        <a:rPr lang="en-AU" sz="1800" b="0" i="0" kern="1200" dirty="0">
+                          <a:solidFill>
+                            <a:srgbClr val="00B050"/>
+                          </a:solidFill>
+                          <a:effectLst/>
+                          <a:latin typeface="+mn-lt"/>
+                          <a:ea typeface="+mn-ea"/>
+                          <a:cs typeface="+mn-cs"/>
+                        </a:rPr>
+                        <a:t>✔️</a:t>
+                      </a:r>
+                      <a:endParaRPr lang="en-AU" dirty="0"/>
+                    </a:p>
+                  </a:txBody>
+                  <a:tcPr/>
+                </a:tc>
+                <a:extLst>
+                  <a:ext uri="{0D108BD9-81ED-4DB2-BD59-A6C34878D82A}">
+                    <a16:rowId xmlns:a16="http://schemas.microsoft.com/office/drawing/2014/main" val="357821970"/>
+                  </a:ext>
+                </a:extLst>
+              </a:tr>
+              <a:tr h="370840">
+                <a:tc>
+                  <a:txBody>
+                    <a:bodyPr/>
+                    <a:lstStyle/>
+                    <a:p>
+                      <a:r>
+                        <a:rPr lang="en-AU" dirty="0"/>
+                        <a:t>Creatively flexible</a:t>
+                      </a:r>
+                    </a:p>
+                  </a:txBody>
+                  <a:tcPr/>
+                </a:tc>
+                <a:tc>
+                  <a:txBody>
+                    <a:bodyPr/>
+                    <a:lstStyle/>
+                    <a:p>
+                      <a:pPr marL="0" marR="0" lvl="0" indent="0" algn="l" defTabSz="914400" rtl="0" eaLnBrk="1" fontAlgn="auto" latinLnBrk="0" hangingPunct="1">
+                        <a:lnSpc>
+                          <a:spcPct val="100000"/>
+                        </a:lnSpc>
+                        <a:spcBef>
+                          <a:spcPts val="0"/>
+                        </a:spcBef>
+                        <a:spcAft>
+                          <a:spcPts val="0"/>
+                        </a:spcAft>
+                        <a:buClrTx/>
+                        <a:buSzTx/>
+                        <a:buFontTx/>
+                        <a:buNone/>
+                        <a:tabLst/>
+                        <a:defRPr/>
+                      </a:pPr>
+                      <a:r>
+                        <a:rPr lang="en-AU" sz="1800" b="0" i="0" kern="1200" dirty="0">
+                          <a:solidFill>
+                            <a:srgbClr val="00B050"/>
+                          </a:solidFill>
+                          <a:effectLst/>
+                          <a:latin typeface="+mn-lt"/>
+                          <a:ea typeface="+mn-ea"/>
+                          <a:cs typeface="+mn-cs"/>
+                        </a:rPr>
+                        <a:t>✔️</a:t>
+                      </a:r>
+                      <a:endParaRPr lang="en-AU" sz="1800" b="1" i="0" kern="1200" dirty="0">
+                        <a:solidFill>
+                          <a:srgbClr val="00B050"/>
+                        </a:solidFill>
+                        <a:effectLst/>
+                        <a:latin typeface="+mn-lt"/>
+                        <a:ea typeface="+mn-ea"/>
+                        <a:cs typeface="+mn-cs"/>
+                      </a:endParaRPr>
+                    </a:p>
+                  </a:txBody>
+                  <a:tcPr/>
+                </a:tc>
+                <a:tc>
+                  <a:txBody>
+                    <a:bodyPr/>
+                    <a:lstStyle/>
+                    <a:p>
+                      <a:pPr marL="0" marR="0" lvl="0" indent="0" algn="l" defTabSz="914400" rtl="0" eaLnBrk="1" fontAlgn="auto" latinLnBrk="0" hangingPunct="1">
+                        <a:lnSpc>
+                          <a:spcPct val="100000"/>
+                        </a:lnSpc>
+                        <a:spcBef>
+                          <a:spcPts val="0"/>
+                        </a:spcBef>
+                        <a:spcAft>
+                          <a:spcPts val="0"/>
+                        </a:spcAft>
+                        <a:buClrTx/>
+                        <a:buSzTx/>
+                        <a:buFontTx/>
+                        <a:buNone/>
+                        <a:tabLst/>
+                        <a:defRPr/>
+                      </a:pPr>
+                      <a:r>
+                        <a:rPr lang="en-AU" sz="1800" b="0" i="0" kern="1200" dirty="0">
+                          <a:solidFill>
+                            <a:srgbClr val="00B050"/>
+                          </a:solidFill>
+                          <a:effectLst/>
+                          <a:latin typeface="+mn-lt"/>
+                          <a:ea typeface="+mn-ea"/>
+                          <a:cs typeface="+mn-cs"/>
+                        </a:rPr>
+                        <a:t>✔️</a:t>
+                      </a:r>
+                      <a:r>
+                        <a:rPr lang="en-AU" sz="1800" b="0" i="0" kern="1200" dirty="0">
+                          <a:solidFill>
+                            <a:schemeClr val="tx1"/>
+                          </a:solidFill>
+                          <a:effectLst/>
+                          <a:latin typeface="+mn-lt"/>
+                          <a:ea typeface="+mn-ea"/>
+                          <a:cs typeface="+mn-cs"/>
+                        </a:rPr>
+                        <a:t>* (Is only missing a few nice features)</a:t>
+                      </a:r>
+                      <a:endParaRPr lang="en-AU" sz="1800" b="1" i="0" kern="1200" dirty="0">
+                        <a:solidFill>
+                          <a:srgbClr val="00B050"/>
+                        </a:solidFill>
+                        <a:effectLst/>
+                        <a:latin typeface="+mn-lt"/>
+                        <a:ea typeface="+mn-ea"/>
+                        <a:cs typeface="+mn-cs"/>
+                      </a:endParaRPr>
+                    </a:p>
+                  </a:txBody>
+                  <a:tcPr/>
+                </a:tc>
+                <a:extLst>
+                  <a:ext uri="{0D108BD9-81ED-4DB2-BD59-A6C34878D82A}">
+                    <a16:rowId xmlns:a16="http://schemas.microsoft.com/office/drawing/2014/main" val="2148578492"/>
+                  </a:ext>
+                </a:extLst>
+              </a:tr>
+              <a:tr h="370840">
+                <a:tc>
+                  <a:txBody>
+                    <a:bodyPr/>
+                    <a:lstStyle/>
+                    <a:p>
+                      <a:r>
+                        <a:rPr lang="en-AU" dirty="0"/>
+                        <a:t>Easy of getting code to run</a:t>
+                      </a:r>
+                    </a:p>
+                  </a:txBody>
+                  <a:tcPr/>
+                </a:tc>
+                <a:tc>
+                  <a:txBody>
+                    <a:bodyPr/>
+                    <a:lstStyle/>
+                    <a:p>
+                      <a:pPr marL="0" marR="0" lvl="0" indent="0" algn="l" defTabSz="914400" rtl="0" eaLnBrk="1" fontAlgn="auto" latinLnBrk="0" hangingPunct="1">
+                        <a:lnSpc>
+                          <a:spcPct val="100000"/>
+                        </a:lnSpc>
+                        <a:spcBef>
+                          <a:spcPts val="0"/>
+                        </a:spcBef>
+                        <a:spcAft>
+                          <a:spcPts val="0"/>
+                        </a:spcAft>
+                        <a:buClrTx/>
+                        <a:buSzTx/>
+                        <a:buFontTx/>
+                        <a:buNone/>
+                        <a:tabLst/>
+                        <a:defRPr/>
+                      </a:pPr>
+                      <a:r>
+                        <a:rPr lang="en-AU" sz="1800" b="0" i="0" kern="1200">
+                          <a:solidFill>
+                            <a:srgbClr val="FF0000"/>
+                          </a:solidFill>
+                          <a:effectLst/>
+                          <a:latin typeface="+mn-lt"/>
+                          <a:ea typeface="+mn-ea"/>
+                          <a:cs typeface="+mn-cs"/>
+                        </a:rPr>
+                        <a:t>❌</a:t>
+                      </a:r>
+                      <a:endParaRPr lang="en-AU" sz="1800" b="1" i="0" kern="1200" dirty="0">
+                        <a:solidFill>
+                          <a:srgbClr val="FF0000"/>
+                        </a:solidFill>
+                        <a:effectLst/>
+                        <a:latin typeface="+mn-lt"/>
+                        <a:ea typeface="+mn-ea"/>
+                        <a:cs typeface="+mn-cs"/>
+                      </a:endParaRPr>
+                    </a:p>
+                  </a:txBody>
+                  <a:tcPr/>
+                </a:tc>
+                <a:tc>
+                  <a:txBody>
+                    <a:bodyPr/>
+                    <a:lstStyle/>
+                    <a:p>
+                      <a:pPr marL="0" marR="0" lvl="0" indent="0" algn="l" defTabSz="914400" rtl="0" eaLnBrk="1" fontAlgn="auto" latinLnBrk="0" hangingPunct="1">
+                        <a:lnSpc>
+                          <a:spcPct val="100000"/>
+                        </a:lnSpc>
+                        <a:spcBef>
+                          <a:spcPts val="0"/>
+                        </a:spcBef>
+                        <a:spcAft>
+                          <a:spcPts val="0"/>
+                        </a:spcAft>
+                        <a:buClrTx/>
+                        <a:buSzTx/>
+                        <a:buFontTx/>
+                        <a:buNone/>
+                        <a:tabLst/>
+                        <a:defRPr/>
+                      </a:pPr>
+                      <a:r>
+                        <a:rPr lang="en-AU" sz="1800" b="0" i="0" kern="1200" dirty="0">
+                          <a:solidFill>
+                            <a:srgbClr val="00B050"/>
+                          </a:solidFill>
+                          <a:effectLst/>
+                          <a:latin typeface="+mn-lt"/>
+                          <a:ea typeface="+mn-ea"/>
+                          <a:cs typeface="+mn-cs"/>
+                        </a:rPr>
+                        <a:t>✔️</a:t>
+                      </a:r>
+                      <a:endParaRPr lang="en-AU" sz="1800" b="1" i="0" kern="1200" dirty="0">
+                        <a:solidFill>
+                          <a:srgbClr val="00B050"/>
+                        </a:solidFill>
+                        <a:effectLst/>
+                        <a:latin typeface="+mn-lt"/>
+                        <a:ea typeface="+mn-ea"/>
+                        <a:cs typeface="+mn-cs"/>
+                      </a:endParaRPr>
+                    </a:p>
+                  </a:txBody>
+                  <a:tcPr/>
+                </a:tc>
+                <a:extLst>
+                  <a:ext uri="{0D108BD9-81ED-4DB2-BD59-A6C34878D82A}">
+                    <a16:rowId xmlns:a16="http://schemas.microsoft.com/office/drawing/2014/main" val="3494598351"/>
+                  </a:ext>
+                </a:extLst>
+              </a:tr>
+            </a:tbl>
+          </a:graphicData>
+        </a:graphic>
+      </p:graphicFrame>
+    </p:spTree>
+    <p:extLst>
+      <p:ext uri="{BB962C8B-B14F-4D97-AF65-F5344CB8AC3E}">
+        <p14:creationId xmlns:p14="http://schemas.microsoft.com/office/powerpoint/2010/main" val="3591320549"/>
+      </p:ext>
+    </p:extLst>
+  </p:cSld>
+  <p:clrMapOvr>
+    <a:masterClrMapping/>
+  </p:clrMapOvr>
+</p:sld>
+</file>
+
 <file path=ppt/slides/slide2.xml><?xml version="1.0" encoding="utf-8"?>
 <p:sld xmlns:a="http://schemas.openxmlformats.org/drawingml/2006/main" xmlns:r="http://schemas.openxmlformats.org/officeDocument/2006/relationships" xmlns:p="http://schemas.openxmlformats.org/presentationml/2006/main">
   <p:cSld>
@@ -4475,6 +6489,263 @@
     <p:extLst>
       <p:ext uri="{BB962C8B-B14F-4D97-AF65-F5344CB8AC3E}">
         <p14:creationId xmlns:p14="http://schemas.microsoft.com/office/powerpoint/2010/main" val="2305016655"/>
+      </p:ext>
+    </p:extLst>
+  </p:cSld>
+  <p:clrMapOvr>
+    <a:masterClrMapping/>
+  </p:clrMapOvr>
+</p:sld>
+</file>
+
+<file path=ppt/slides/slide8.xml><?xml version="1.0" encoding="utf-8"?>
+<p:sld xmlns:a="http://schemas.openxmlformats.org/drawingml/2006/main" xmlns:r="http://schemas.openxmlformats.org/officeDocument/2006/relationships" xmlns:p="http://schemas.openxmlformats.org/presentationml/2006/main">
+  <p:cSld>
+    <p:spTree>
+      <p:nvGrpSpPr>
+        <p:cNvPr id="1" name=""/>
+        <p:cNvGrpSpPr/>
+        <p:nvPr/>
+      </p:nvGrpSpPr>
+      <p:grpSpPr>
+        <a:xfrm>
+          <a:off x="0" y="0"/>
+          <a:ext cx="0" cy="0"/>
+          <a:chOff x="0" y="0"/>
+          <a:chExt cx="0" cy="0"/>
+        </a:xfrm>
+      </p:grpSpPr>
+      <p:sp>
+        <p:nvSpPr>
+          <p:cNvPr id="2" name="Title 1">
+            <a:extLst>
+              <a:ext uri="{FF2B5EF4-FFF2-40B4-BE49-F238E27FC236}">
+                <a16:creationId xmlns:a16="http://schemas.microsoft.com/office/drawing/2014/main" id="{D81FAA54-4E94-470D-B8CF-07CAECD366D1}"/>
+              </a:ext>
+            </a:extLst>
+          </p:cNvPr>
+          <p:cNvSpPr>
+            <a:spLocks noGrp="1"/>
+          </p:cNvSpPr>
+          <p:nvPr>
+            <p:ph type="title"/>
+          </p:nvPr>
+        </p:nvSpPr>
+        <p:spPr>
+          <a:xfrm>
+            <a:off x="838200" y="85725"/>
+            <a:ext cx="10515600" cy="879793"/>
+          </a:xfrm>
+        </p:spPr>
+        <p:txBody>
+          <a:bodyPr/>
+          <a:lstStyle/>
+          <a:p>
+            <a:pPr algn="ctr"/>
+            <a:r>
+              <a:rPr lang="en-AU" dirty="0"/>
+              <a:t>How to tell Crayon to make a </a:t>
+            </a:r>
+            <a:r>
+              <a:rPr lang="en-AU" dirty="0" err="1"/>
+              <a:t>Spritesheet</a:t>
+            </a:r>
+            <a:endParaRPr lang="en-AU" dirty="0"/>
+          </a:p>
+        </p:txBody>
+      </p:sp>
+      <p:pic>
+        <p:nvPicPr>
+          <p:cNvPr id="4" name="Picture 3">
+            <a:extLst>
+              <a:ext uri="{FF2B5EF4-FFF2-40B4-BE49-F238E27FC236}">
+                <a16:creationId xmlns:a16="http://schemas.microsoft.com/office/drawing/2014/main" id="{F8C5C04B-C545-44E1-ACCC-E3EEB4E13338}"/>
+              </a:ext>
+            </a:extLst>
+          </p:cNvPr>
+          <p:cNvPicPr>
+            <a:picLocks noChangeAspect="1"/>
+          </p:cNvPicPr>
+          <p:nvPr/>
+        </p:nvPicPr>
+        <p:blipFill>
+          <a:blip r:embed="rId2"/>
+          <a:stretch>
+            <a:fillRect/>
+          </a:stretch>
+        </p:blipFill>
+        <p:spPr>
+          <a:xfrm>
+            <a:off x="1677644" y="995866"/>
+            <a:ext cx="8836712" cy="5862134"/>
+          </a:xfrm>
+          <a:prstGeom prst="rect">
+            <a:avLst/>
+          </a:prstGeom>
+        </p:spPr>
+      </p:pic>
+    </p:spTree>
+    <p:extLst>
+      <p:ext uri="{BB962C8B-B14F-4D97-AF65-F5344CB8AC3E}">
+        <p14:creationId xmlns:p14="http://schemas.microsoft.com/office/powerpoint/2010/main" val="57846960"/>
+      </p:ext>
+    </p:extLst>
+  </p:cSld>
+  <p:clrMapOvr>
+    <a:masterClrMapping/>
+  </p:clrMapOvr>
+</p:sld>
+</file>
+
+<file path=ppt/slides/slide9.xml><?xml version="1.0" encoding="utf-8"?>
+<p:sld xmlns:a="http://schemas.openxmlformats.org/drawingml/2006/main" xmlns:r="http://schemas.openxmlformats.org/officeDocument/2006/relationships" xmlns:p="http://schemas.openxmlformats.org/presentationml/2006/main">
+  <p:cSld>
+    <p:spTree>
+      <p:nvGrpSpPr>
+        <p:cNvPr id="1" name=""/>
+        <p:cNvGrpSpPr/>
+        <p:nvPr/>
+      </p:nvGrpSpPr>
+      <p:grpSpPr>
+        <a:xfrm>
+          <a:off x="0" y="0"/>
+          <a:ext cx="0" cy="0"/>
+          <a:chOff x="0" y="0"/>
+          <a:chExt cx="0" cy="0"/>
+        </a:xfrm>
+      </p:grpSpPr>
+      <p:sp>
+        <p:nvSpPr>
+          <p:cNvPr id="2" name="Title 1">
+            <a:extLst>
+              <a:ext uri="{FF2B5EF4-FFF2-40B4-BE49-F238E27FC236}">
+                <a16:creationId xmlns:a16="http://schemas.microsoft.com/office/drawing/2014/main" id="{FE8B1755-9570-4E4A-A021-AF8DEE7D4261}"/>
+              </a:ext>
+            </a:extLst>
+          </p:cNvPr>
+          <p:cNvSpPr>
+            <a:spLocks noGrp="1"/>
+          </p:cNvSpPr>
+          <p:nvPr>
+            <p:ph type="title"/>
+          </p:nvPr>
+        </p:nvSpPr>
+        <p:spPr/>
+        <p:txBody>
+          <a:bodyPr/>
+          <a:lstStyle/>
+          <a:p>
+            <a:r>
+              <a:rPr lang="en-AU" dirty="0"/>
+              <a:t>The texture formats</a:t>
+            </a:r>
+          </a:p>
+        </p:txBody>
+      </p:sp>
+      <p:sp>
+        <p:nvSpPr>
+          <p:cNvPr id="3" name="Content Placeholder 2">
+            <a:extLst>
+              <a:ext uri="{FF2B5EF4-FFF2-40B4-BE49-F238E27FC236}">
+                <a16:creationId xmlns:a16="http://schemas.microsoft.com/office/drawing/2014/main" id="{A316288A-241B-48F8-82A6-73B330B41321}"/>
+              </a:ext>
+            </a:extLst>
+          </p:cNvPr>
+          <p:cNvSpPr>
+            <a:spLocks noGrp="1"/>
+          </p:cNvSpPr>
+          <p:nvPr>
+            <p:ph idx="1"/>
+          </p:nvPr>
+        </p:nvSpPr>
+        <p:spPr>
+          <a:xfrm>
+            <a:off x="838200" y="1616074"/>
+            <a:ext cx="10515600" cy="4575176"/>
+          </a:xfrm>
+        </p:spPr>
+        <p:txBody>
+          <a:bodyPr>
+            <a:normAutofit/>
+          </a:bodyPr>
+          <a:lstStyle/>
+          <a:p>
+            <a:r>
+              <a:rPr lang="en-AU" dirty="0"/>
+              <a:t>The DC has a few texture formats. Note ARGB = Alpha (Transparency), Red, Green and Blue. The numbers say how many bits per channel.</a:t>
+            </a:r>
+          </a:p>
+          <a:p>
+            <a:pPr lvl="1"/>
+            <a:r>
+              <a:rPr lang="en-AU" dirty="0"/>
+              <a:t>RGB565 is the best non-transparency output mode</a:t>
+            </a:r>
+          </a:p>
+          <a:p>
+            <a:pPr lvl="1"/>
+            <a:r>
+              <a:rPr lang="en-AU" dirty="0"/>
+              <a:t>ARGB1555 is good if you want </a:t>
+            </a:r>
+            <a:r>
+              <a:rPr lang="en-AU" dirty="0" err="1"/>
+              <a:t>punchthrough</a:t>
+            </a:r>
+            <a:r>
+              <a:rPr lang="en-AU" dirty="0"/>
+              <a:t> mode</a:t>
+            </a:r>
+          </a:p>
+          <a:p>
+            <a:pPr lvl="1"/>
+            <a:r>
+              <a:rPr lang="en-AU" dirty="0"/>
+              <a:t>ARGB4444 allows for different levels of transparency</a:t>
+            </a:r>
+          </a:p>
+          <a:p>
+            <a:pPr lvl="1"/>
+            <a:r>
+              <a:rPr lang="en-AU" dirty="0"/>
+              <a:t>PAL4BPP and PAL8BPP are </a:t>
+            </a:r>
+            <a:r>
+              <a:rPr lang="en-AU" dirty="0" err="1"/>
+              <a:t>paletted</a:t>
+            </a:r>
+            <a:r>
+              <a:rPr lang="en-AU" dirty="0"/>
+              <a:t> texture with 16 and 256 colours respectively. The palette itself is in the ARGB8888 format</a:t>
+            </a:r>
+          </a:p>
+          <a:p>
+            <a:pPr lvl="2"/>
+            <a:r>
+              <a:rPr lang="en-AU" dirty="0"/>
+              <a:t>We can have at most 1024 palette entries per frame. That’s 4 PAL8BPP palettes, 64 PAL4BPP palettes or some mix of the two</a:t>
+            </a:r>
+          </a:p>
+          <a:p>
+            <a:pPr lvl="1"/>
+            <a:r>
+              <a:rPr lang="en-AU" dirty="0"/>
+              <a:t>The DC has a native compression format that *can* be loss-less. (It’s a little complicated to understand, but if you’re curious I can explain it later)</a:t>
+            </a:r>
+          </a:p>
+          <a:p>
+            <a:pPr lvl="1"/>
+            <a:r>
+              <a:rPr lang="en-AU" dirty="0"/>
+              <a:t>Most PNGs are in the RGBA8888 format, so some info is always lost</a:t>
+            </a:r>
+          </a:p>
+        </p:txBody>
+      </p:sp>
+    </p:spTree>
+    <p:extLst>
+      <p:ext uri="{BB962C8B-B14F-4D97-AF65-F5344CB8AC3E}">
+        <p14:creationId xmlns:p14="http://schemas.microsoft.com/office/powerpoint/2010/main" val="1341691837"/>
       </p:ext>
     </p:extLst>
   </p:cSld>

--- a/Documentation/About-DC-and-Crayon.pptx
+++ b/Documentation/About-DC-and-Crayon.pptx
@@ -16,10 +16,12 @@
     <p:sldId id="264" r:id="rId10"/>
     <p:sldId id="265" r:id="rId11"/>
     <p:sldId id="266" r:id="rId12"/>
-    <p:sldId id="267" r:id="rId13"/>
-    <p:sldId id="268" r:id="rId14"/>
-    <p:sldId id="269" r:id="rId15"/>
-    <p:sldId id="270" r:id="rId16"/>
+    <p:sldId id="272" r:id="rId13"/>
+    <p:sldId id="271" r:id="rId14"/>
+    <p:sldId id="267" r:id="rId15"/>
+    <p:sldId id="268" r:id="rId16"/>
+    <p:sldId id="269" r:id="rId17"/>
+    <p:sldId id="270" r:id="rId18"/>
   </p:sldIdLst>
   <p:sldSz cx="12192000" cy="6858000"/>
   <p:notesSz cx="6858000" cy="9144000"/>
@@ -3678,7 +3680,7 @@
           <p:cNvPr id="2" name="Title 1">
             <a:extLst>
               <a:ext uri="{FF2B5EF4-FFF2-40B4-BE49-F238E27FC236}">
-                <a16:creationId xmlns:a16="http://schemas.microsoft.com/office/drawing/2014/main" id="{343F25F6-B925-44B6-ADFF-B8CD30F89AC5}"/>
+                <a16:creationId xmlns:a16="http://schemas.microsoft.com/office/drawing/2014/main" id="{B278DA72-D16E-4525-8162-C6DFCCAD7AE0}"/>
               </a:ext>
             </a:extLst>
           </p:cNvPr>
@@ -3696,7 +3698,7 @@
           <a:p>
             <a:r>
               <a:rPr lang="en-AU" dirty="0"/>
-              <a:t>Ways of running games/programs</a:t>
+              <a:t>Controllers</a:t>
             </a:r>
           </a:p>
         </p:txBody>
@@ -3706,7 +3708,7 @@
           <p:cNvPr id="3" name="Content Placeholder 2">
             <a:extLst>
               <a:ext uri="{FF2B5EF4-FFF2-40B4-BE49-F238E27FC236}">
-                <a16:creationId xmlns:a16="http://schemas.microsoft.com/office/drawing/2014/main" id="{9FD82EDD-5E79-492C-83AF-E2562E6FD0F1}"/>
+                <a16:creationId xmlns:a16="http://schemas.microsoft.com/office/drawing/2014/main" id="{942DCB48-75B4-4B97-B098-40249B854026}"/>
               </a:ext>
             </a:extLst>
           </p:cNvPr>
@@ -3724,25 +3726,27 @@
           <a:p>
             <a:r>
               <a:rPr lang="en-AU" dirty="0"/>
-              <a:t>Emulation: For Windows I recommend DEMUL since its nearly perfect, otherwise Redream is alright.</a:t>
+              <a:t>As mentioned before, the Dreamcast has a normal Joypad, there are some other kinds of controllers too</a:t>
             </a:r>
           </a:p>
           <a:p>
             <a:r>
               <a:rPr lang="en-AU" dirty="0"/>
-              <a:t>Burn CDs: This is basically the way the final game will be played at retail, but for dev we have to burn a new CD per change</a:t>
+              <a:t>Keyboard and Mouse, they work like PC ones, but aren’t as common	</a:t>
             </a:r>
           </a:p>
           <a:p>
             <a:r>
               <a:rPr lang="en-AU" dirty="0"/>
-              <a:t>Serial/SD port: With a special boot disc we can tell the DC to load from the Serial/SD port on the back. This means we only burn 1 disc, but it is very slow</a:t>
-            </a:r>
-          </a:p>
-          <a:p>
+              <a:t>There are other peripherals, but </a:t>
+            </a:r>
+            <a:r>
+              <a:rPr lang="en-AU" dirty="0" err="1"/>
+              <a:t>KallistiOS</a:t>
+            </a:r>
             <a:r>
               <a:rPr lang="en-AU" dirty="0"/>
-              <a:t>Ethernet Adapter: Like the SD method we only burn one disc, but we load stuff from our PC over the network and it is faster than the CD-Drive</a:t>
+              <a:t> doesn’t support them</a:t>
             </a:r>
           </a:p>
         </p:txBody>
@@ -3750,7 +3754,7 @@
     </p:spTree>
     <p:extLst>
       <p:ext uri="{BB962C8B-B14F-4D97-AF65-F5344CB8AC3E}">
-        <p14:creationId xmlns:p14="http://schemas.microsoft.com/office/powerpoint/2010/main" val="1653258504"/>
+        <p14:creationId xmlns:p14="http://schemas.microsoft.com/office/powerpoint/2010/main" val="1557721149"/>
       </p:ext>
     </p:extLst>
   </p:cSld>
@@ -3761,6 +3765,252 @@
 </file>
 
 <file path=ppt/slides/slide13.xml><?xml version="1.0" encoding="utf-8"?>
+<p:sld xmlns:a="http://schemas.openxmlformats.org/drawingml/2006/main" xmlns:r="http://schemas.openxmlformats.org/officeDocument/2006/relationships" xmlns:p="http://schemas.openxmlformats.org/presentationml/2006/main">
+  <p:cSld>
+    <p:bg>
+      <p:bgPr>
+        <a:solidFill>
+          <a:schemeClr val="tx1"/>
+        </a:solidFill>
+        <a:effectLst/>
+      </p:bgPr>
+    </p:bg>
+    <p:spTree>
+      <p:nvGrpSpPr>
+        <p:cNvPr id="1" name=""/>
+        <p:cNvGrpSpPr/>
+        <p:nvPr/>
+      </p:nvGrpSpPr>
+      <p:grpSpPr>
+        <a:xfrm>
+          <a:off x="0" y="0"/>
+          <a:ext cx="0" cy="0"/>
+          <a:chOff x="0" y="0"/>
+          <a:chExt cx="0" cy="0"/>
+        </a:xfrm>
+      </p:grpSpPr>
+      <p:sp>
+        <p:nvSpPr>
+          <p:cNvPr id="1028" name="Rectangle 70">
+            <a:extLst>
+              <a:ext uri="{FF2B5EF4-FFF2-40B4-BE49-F238E27FC236}">
+                <a16:creationId xmlns:a16="http://schemas.microsoft.com/office/drawing/2014/main" id="{867D4867-5BA7-4462-B2F6-A23F4A622AA7}"/>
+              </a:ext>
+              <a:ext uri="{C183D7F6-B498-43B3-948B-1728B52AA6E4}">
+                <adec:decorative xmlns:adec="http://schemas.microsoft.com/office/drawing/2017/decorative" val="1"/>
+              </a:ext>
+            </a:extLst>
+          </p:cNvPr>
+          <p:cNvSpPr>
+            <a:spLocks noGrp="1" noRot="1" noChangeAspect="1" noMove="1" noResize="1" noEditPoints="1" noAdjustHandles="1" noChangeArrowheads="1" noChangeShapeType="1" noTextEdit="1"/>
+          </p:cNvSpPr>
+          <p:nvPr>
+            <p:extLst>
+              <p:ext uri="{386F3935-93C4-4BCD-93E2-E3B085C9AB24}">
+                <p16:designElem xmlns:p16="http://schemas.microsoft.com/office/powerpoint/2015/main" val="1"/>
+              </p:ext>
+            </p:extLst>
+          </p:nvPr>
+        </p:nvSpPr>
+        <p:spPr>
+          <a:xfrm>
+            <a:off x="0" y="0"/>
+            <a:ext cx="4654296" cy="6858000"/>
+          </a:xfrm>
+          <a:prstGeom prst="rect">
+            <a:avLst/>
+          </a:prstGeom>
+          <a:solidFill>
+            <a:srgbClr val="3F3F3F"/>
+          </a:solidFill>
+          <a:ln>
+            <a:noFill/>
+          </a:ln>
+        </p:spPr>
+        <p:style>
+          <a:lnRef idx="0">
+            <a:scrgbClr r="0" g="0" b="0"/>
+          </a:lnRef>
+          <a:fillRef idx="0">
+            <a:scrgbClr r="0" g="0" b="0"/>
+          </a:fillRef>
+          <a:effectRef idx="0">
+            <a:scrgbClr r="0" g="0" b="0"/>
+          </a:effectRef>
+          <a:fontRef idx="minor">
+            <a:schemeClr val="lt1"/>
+          </a:fontRef>
+        </p:style>
+        <p:txBody>
+          <a:bodyPr rtlCol="0" anchor="ctr"/>
+          <a:lstStyle/>
+          <a:p>
+            <a:pPr algn="ctr"/>
+            <a:endParaRPr lang="en-US" dirty="0"/>
+          </a:p>
+        </p:txBody>
+      </p:sp>
+      <p:sp>
+        <p:nvSpPr>
+          <p:cNvPr id="2" name="Title 1">
+            <a:extLst>
+              <a:ext uri="{FF2B5EF4-FFF2-40B4-BE49-F238E27FC236}">
+                <a16:creationId xmlns:a16="http://schemas.microsoft.com/office/drawing/2014/main" id="{1EFA9956-D93C-4F37-8422-8DE2F1A2E289}"/>
+              </a:ext>
+            </a:extLst>
+          </p:cNvPr>
+          <p:cNvSpPr>
+            <a:spLocks noGrp="1"/>
+          </p:cNvSpPr>
+          <p:nvPr>
+            <p:ph type="title"/>
+          </p:nvPr>
+        </p:nvSpPr>
+        <p:spPr>
+          <a:xfrm>
+            <a:off x="643468" y="349072"/>
+            <a:ext cx="3363974" cy="1607060"/>
+          </a:xfrm>
+          <a:noFill/>
+          <a:ln w="19050">
+            <a:solidFill>
+              <a:schemeClr val="tx1"/>
+            </a:solidFill>
+          </a:ln>
+        </p:spPr>
+        <p:txBody>
+          <a:bodyPr wrap="square" anchor="ctr">
+            <a:normAutofit/>
+          </a:bodyPr>
+          <a:lstStyle/>
+          <a:p>
+            <a:pPr algn="ctr"/>
+            <a:r>
+              <a:rPr lang="en-AU" sz="2800"/>
+              <a:t>Memory Cards/Savefiles</a:t>
+            </a:r>
+          </a:p>
+        </p:txBody>
+      </p:sp>
+      <p:sp>
+        <p:nvSpPr>
+          <p:cNvPr id="3" name="Content Placeholder 2">
+            <a:extLst>
+              <a:ext uri="{FF2B5EF4-FFF2-40B4-BE49-F238E27FC236}">
+                <a16:creationId xmlns:a16="http://schemas.microsoft.com/office/drawing/2014/main" id="{B78B01C6-E1FC-43F7-AE5F-D33FAAE4674E}"/>
+              </a:ext>
+            </a:extLst>
+          </p:cNvPr>
+          <p:cNvSpPr>
+            <a:spLocks noGrp="1"/>
+          </p:cNvSpPr>
+          <p:nvPr>
+            <p:ph idx="1"/>
+          </p:nvPr>
+        </p:nvSpPr>
+        <p:spPr>
+          <a:xfrm>
+            <a:off x="643468" y="2184401"/>
+            <a:ext cx="3363974" cy="4216400"/>
+          </a:xfrm>
+        </p:spPr>
+        <p:txBody>
+          <a:bodyPr>
+            <a:normAutofit/>
+          </a:bodyPr>
+          <a:lstStyle/>
+          <a:p>
+            <a:r>
+              <a:rPr lang="en-AU" sz="2000" dirty="0"/>
+              <a:t>The DC’s Memory Cards are called VMUs. They hold 100KB total or 200 Blocks (1 Block = 512B) with up to 8 VMUs at once</a:t>
+            </a:r>
+          </a:p>
+          <a:p>
+            <a:r>
+              <a:rPr lang="en-AU" sz="2000" dirty="0"/>
+              <a:t>A DC </a:t>
+            </a:r>
+            <a:r>
+              <a:rPr lang="en-AU" sz="2000" dirty="0" err="1"/>
+              <a:t>Savefile</a:t>
+            </a:r>
+            <a:r>
+              <a:rPr lang="en-AU" sz="2000" dirty="0"/>
+              <a:t> has an icon with up to 3 frames of animation (1 frame = 1 Block), an optional “Eyecatcher” (Bottom right) and the save data.</a:t>
+            </a:r>
+          </a:p>
+          <a:p>
+            <a:r>
+              <a:rPr lang="en-AU" sz="2000" dirty="0" err="1"/>
+              <a:t>Savefiles</a:t>
+            </a:r>
+            <a:r>
+              <a:rPr lang="en-AU" sz="2000" dirty="0"/>
+              <a:t> can be as small as 2 Blocks</a:t>
+            </a:r>
+          </a:p>
+        </p:txBody>
+      </p:sp>
+      <p:pic>
+        <p:nvPicPr>
+          <p:cNvPr id="1026" name="Picture 2">
+            <a:extLst>
+              <a:ext uri="{FF2B5EF4-FFF2-40B4-BE49-F238E27FC236}">
+                <a16:creationId xmlns:a16="http://schemas.microsoft.com/office/drawing/2014/main" id="{DB548BC1-5C98-452A-90E4-D944A51496BD}"/>
+              </a:ext>
+            </a:extLst>
+          </p:cNvPr>
+          <p:cNvPicPr>
+            <a:picLocks noChangeAspect="1" noChangeArrowheads="1"/>
+          </p:cNvPicPr>
+          <p:nvPr/>
+        </p:nvPicPr>
+        <p:blipFill>
+          <a:blip r:embed="rId2">
+            <a:extLst>
+              <a:ext uri="{28A0092B-C50C-407E-A947-70E740481C1C}">
+                <a14:useLocalDpi xmlns:a14="http://schemas.microsoft.com/office/drawing/2010/main" val="0"/>
+              </a:ext>
+            </a:extLst>
+          </a:blip>
+          <a:stretch>
+            <a:fillRect/>
+          </a:stretch>
+        </p:blipFill>
+        <p:spPr bwMode="auto">
+          <a:xfrm>
+            <a:off x="5297763" y="1004528"/>
+            <a:ext cx="6250769" cy="4688076"/>
+          </a:xfrm>
+          <a:prstGeom prst="rect">
+            <a:avLst/>
+          </a:prstGeom>
+          <a:noFill/>
+          <a:extLst>
+            <a:ext uri="{909E8E84-426E-40DD-AFC4-6F175D3DCCD1}">
+              <a14:hiddenFill xmlns:a14="http://schemas.microsoft.com/office/drawing/2010/main">
+                <a:solidFill>
+                  <a:srgbClr val="FFFFFF"/>
+                </a:solidFill>
+              </a14:hiddenFill>
+            </a:ext>
+          </a:extLst>
+        </p:spPr>
+      </p:pic>
+    </p:spTree>
+    <p:extLst>
+      <p:ext uri="{BB962C8B-B14F-4D97-AF65-F5344CB8AC3E}">
+        <p14:creationId xmlns:p14="http://schemas.microsoft.com/office/powerpoint/2010/main" val="2284845213"/>
+      </p:ext>
+    </p:extLst>
+  </p:cSld>
+  <p:clrMapOvr>
+    <a:overrideClrMapping bg1="dk1" tx1="lt1" bg2="dk2" tx2="lt2" accent1="accent1" accent2="accent2" accent3="accent3" accent4="accent4" accent5="accent5" accent6="accent6" hlink="hlink" folHlink="folHlink"/>
+  </p:clrMapOvr>
+</p:sld>
+</file>
+
+<file path=ppt/slides/slide14.xml><?xml version="1.0" encoding="utf-8"?>
 <p:sld xmlns:a="http://schemas.openxmlformats.org/drawingml/2006/main" xmlns:r="http://schemas.openxmlformats.org/officeDocument/2006/relationships" xmlns:p="http://schemas.openxmlformats.org/presentationml/2006/main">
   <p:cSld>
     <p:spTree>
@@ -3782,6 +4032,110 @@
           <p:cNvPr id="2" name="Title 1">
             <a:extLst>
               <a:ext uri="{FF2B5EF4-FFF2-40B4-BE49-F238E27FC236}">
+                <a16:creationId xmlns:a16="http://schemas.microsoft.com/office/drawing/2014/main" id="{343F25F6-B925-44B6-ADFF-B8CD30F89AC5}"/>
+              </a:ext>
+            </a:extLst>
+          </p:cNvPr>
+          <p:cNvSpPr>
+            <a:spLocks noGrp="1"/>
+          </p:cNvSpPr>
+          <p:nvPr>
+            <p:ph type="title"/>
+          </p:nvPr>
+        </p:nvSpPr>
+        <p:spPr/>
+        <p:txBody>
+          <a:bodyPr/>
+          <a:lstStyle/>
+          <a:p>
+            <a:r>
+              <a:rPr lang="en-AU" dirty="0"/>
+              <a:t>Ways of running games/programs</a:t>
+            </a:r>
+          </a:p>
+        </p:txBody>
+      </p:sp>
+      <p:sp>
+        <p:nvSpPr>
+          <p:cNvPr id="3" name="Content Placeholder 2">
+            <a:extLst>
+              <a:ext uri="{FF2B5EF4-FFF2-40B4-BE49-F238E27FC236}">
+                <a16:creationId xmlns:a16="http://schemas.microsoft.com/office/drawing/2014/main" id="{9FD82EDD-5E79-492C-83AF-E2562E6FD0F1}"/>
+              </a:ext>
+            </a:extLst>
+          </p:cNvPr>
+          <p:cNvSpPr>
+            <a:spLocks noGrp="1"/>
+          </p:cNvSpPr>
+          <p:nvPr>
+            <p:ph idx="1"/>
+          </p:nvPr>
+        </p:nvSpPr>
+        <p:spPr/>
+        <p:txBody>
+          <a:bodyPr/>
+          <a:lstStyle/>
+          <a:p>
+            <a:r>
+              <a:rPr lang="en-AU" dirty="0"/>
+              <a:t>Emulation: For Windows I recommend DEMUL since its nearly perfect, otherwise Redream is alright.</a:t>
+            </a:r>
+          </a:p>
+          <a:p>
+            <a:r>
+              <a:rPr lang="en-AU" dirty="0"/>
+              <a:t>Burn CDs: This is basically the way the final game will be played at retail, but for dev we have to burn a new CD per change</a:t>
+            </a:r>
+          </a:p>
+          <a:p>
+            <a:r>
+              <a:rPr lang="en-AU" dirty="0"/>
+              <a:t>Serial/SD port: With a special boot disc we can tell the DC to load from the Serial/SD port on the back. This means we only burn 1 disc, but it is very slow</a:t>
+            </a:r>
+          </a:p>
+          <a:p>
+            <a:r>
+              <a:rPr lang="en-AU" dirty="0"/>
+              <a:t>Ethernet Adapter: Like the SD method we only burn one disc, but we load stuff from our PC over the network and it is faster than the CD-Drive</a:t>
+            </a:r>
+          </a:p>
+        </p:txBody>
+      </p:sp>
+    </p:spTree>
+    <p:extLst>
+      <p:ext uri="{BB962C8B-B14F-4D97-AF65-F5344CB8AC3E}">
+        <p14:creationId xmlns:p14="http://schemas.microsoft.com/office/powerpoint/2010/main" val="1653258504"/>
+      </p:ext>
+    </p:extLst>
+  </p:cSld>
+  <p:clrMapOvr>
+    <a:masterClrMapping/>
+  </p:clrMapOvr>
+</p:sld>
+</file>
+
+<file path=ppt/slides/slide15.xml><?xml version="1.0" encoding="utf-8"?>
+<p:sld xmlns:a="http://schemas.openxmlformats.org/drawingml/2006/main" xmlns:r="http://schemas.openxmlformats.org/officeDocument/2006/relationships" xmlns:p="http://schemas.openxmlformats.org/presentationml/2006/main">
+  <p:cSld>
+    <p:spTree>
+      <p:nvGrpSpPr>
+        <p:cNvPr id="1" name=""/>
+        <p:cNvGrpSpPr/>
+        <p:nvPr/>
+      </p:nvGrpSpPr>
+      <p:grpSpPr>
+        <a:xfrm>
+          <a:off x="0" y="0"/>
+          <a:ext cx="0" cy="0"/>
+          <a:chOff x="0" y="0"/>
+          <a:chExt cx="0" cy="0"/>
+        </a:xfrm>
+      </p:grpSpPr>
+      <p:sp>
+        <p:nvSpPr>
+          <p:cNvPr id="2" name="Title 1">
+            <a:extLst>
+              <a:ext uri="{FF2B5EF4-FFF2-40B4-BE49-F238E27FC236}">
                 <a16:creationId xmlns:a16="http://schemas.microsoft.com/office/drawing/2014/main" id="{9D4E177D-6081-4591-B641-457C8FC2F57D}"/>
               </a:ext>
             </a:extLst>
@@ -3884,7 +4238,7 @@
 </p:sld>
 </file>
 
-<file path=ppt/slides/slide14.xml><?xml version="1.0" encoding="utf-8"?>
+<file path=ppt/slides/slide16.xml><?xml version="1.0" encoding="utf-8"?>
 <p:sld xmlns:a="http://schemas.openxmlformats.org/drawingml/2006/main" xmlns:r="http://schemas.openxmlformats.org/officeDocument/2006/relationships" xmlns:p="http://schemas.openxmlformats.org/presentationml/2006/main">
   <p:cSld>
     <p:bg>
@@ -4104,7 +4458,7 @@
 </p:sld>
 </file>
 
-<file path=ppt/slides/slide15.xml><?xml version="1.0" encoding="utf-8"?>
+<file path=ppt/slides/slide17.xml><?xml version="1.0" encoding="utf-8"?>
 <p:sld xmlns:a="http://schemas.openxmlformats.org/drawingml/2006/main" xmlns:r="http://schemas.openxmlformats.org/officeDocument/2006/relationships" xmlns:p="http://schemas.openxmlformats.org/presentationml/2006/main">
   <p:cSld>
     <p:spTree>
@@ -5309,7 +5663,7 @@
                         <a:defRPr/>
                       </a:pPr>
                       <a:r>
-                        <a:rPr lang="en-AU" sz="1800" b="0" i="0" kern="1200">
+                        <a:rPr lang="en-AU" sz="1800" b="0" i="0" kern="1200" dirty="0">
                           <a:solidFill>
                             <a:srgbClr val="FF0000"/>
                           </a:solidFill>
@@ -5656,7 +6010,7 @@
             </a:br>
             <a:r>
               <a:rPr lang="en-AU" dirty="0"/>
-              <a:t>with 512KB of storage space each</a:t>
+              <a:t>with 100KB of storage space each</a:t>
             </a:r>
           </a:p>
           <a:p>
@@ -5954,7 +6308,7 @@
         </p:spPr>
         <p:txBody>
           <a:bodyPr>
-            <a:normAutofit/>
+            <a:normAutofit lnSpcReduction="10000"/>
           </a:bodyPr>
           <a:lstStyle/>
           <a:p>
@@ -6005,7 +6359,15 @@
           <a:p>
             <a:r>
               <a:rPr lang="en-AU" sz="1600" dirty="0"/>
-              <a:t>Still a WIP, some features like the “Camera” aren’t implemented yet</a:t>
+              <a:t>Still a WIP, some features like the “Camera” and </a:t>
+            </a:r>
+            <a:r>
+              <a:rPr lang="en-AU" sz="1600" dirty="0" err="1"/>
+              <a:t>fontstyles</a:t>
+            </a:r>
+            <a:r>
+              <a:rPr lang="en-AU" sz="1600" dirty="0"/>
+              <a:t> aren’t implemented yet</a:t>
             </a:r>
           </a:p>
           <a:p>

--- a/Documentation/About-DC-and-Crayon.pptx
+++ b/Documentation/About-DC-and-Crayon.pptx
@@ -277,7 +277,7 @@
           <a:p>
             <a:fld id="{A8B73DF2-13FE-4DEF-BC30-E7F6070018ED}" type="datetimeFigureOut">
               <a:rPr lang="en-AU" smtClean="0"/>
-              <a:t>23/09/2019</a:t>
+              <a:t>24/09/2019</a:t>
             </a:fld>
             <a:endParaRPr lang="en-AU"/>
           </a:p>
@@ -477,7 +477,7 @@
           <a:p>
             <a:fld id="{A8B73DF2-13FE-4DEF-BC30-E7F6070018ED}" type="datetimeFigureOut">
               <a:rPr lang="en-AU" smtClean="0"/>
-              <a:t>23/09/2019</a:t>
+              <a:t>24/09/2019</a:t>
             </a:fld>
             <a:endParaRPr lang="en-AU"/>
           </a:p>
@@ -687,7 +687,7 @@
           <a:p>
             <a:fld id="{A8B73DF2-13FE-4DEF-BC30-E7F6070018ED}" type="datetimeFigureOut">
               <a:rPr lang="en-AU" smtClean="0"/>
-              <a:t>23/09/2019</a:t>
+              <a:t>24/09/2019</a:t>
             </a:fld>
             <a:endParaRPr lang="en-AU"/>
           </a:p>
@@ -887,7 +887,7 @@
           <a:p>
             <a:fld id="{A8B73DF2-13FE-4DEF-BC30-E7F6070018ED}" type="datetimeFigureOut">
               <a:rPr lang="en-AU" smtClean="0"/>
-              <a:t>23/09/2019</a:t>
+              <a:t>24/09/2019</a:t>
             </a:fld>
             <a:endParaRPr lang="en-AU"/>
           </a:p>
@@ -1163,7 +1163,7 @@
           <a:p>
             <a:fld id="{A8B73DF2-13FE-4DEF-BC30-E7F6070018ED}" type="datetimeFigureOut">
               <a:rPr lang="en-AU" smtClean="0"/>
-              <a:t>23/09/2019</a:t>
+              <a:t>24/09/2019</a:t>
             </a:fld>
             <a:endParaRPr lang="en-AU"/>
           </a:p>
@@ -1431,7 +1431,7 @@
           <a:p>
             <a:fld id="{A8B73DF2-13FE-4DEF-BC30-E7F6070018ED}" type="datetimeFigureOut">
               <a:rPr lang="en-AU" smtClean="0"/>
-              <a:t>23/09/2019</a:t>
+              <a:t>24/09/2019</a:t>
             </a:fld>
             <a:endParaRPr lang="en-AU"/>
           </a:p>
@@ -1846,7 +1846,7 @@
           <a:p>
             <a:fld id="{A8B73DF2-13FE-4DEF-BC30-E7F6070018ED}" type="datetimeFigureOut">
               <a:rPr lang="en-AU" smtClean="0"/>
-              <a:t>23/09/2019</a:t>
+              <a:t>24/09/2019</a:t>
             </a:fld>
             <a:endParaRPr lang="en-AU"/>
           </a:p>
@@ -1988,7 +1988,7 @@
           <a:p>
             <a:fld id="{A8B73DF2-13FE-4DEF-BC30-E7F6070018ED}" type="datetimeFigureOut">
               <a:rPr lang="en-AU" smtClean="0"/>
-              <a:t>23/09/2019</a:t>
+              <a:t>24/09/2019</a:t>
             </a:fld>
             <a:endParaRPr lang="en-AU"/>
           </a:p>
@@ -2101,7 +2101,7 @@
           <a:p>
             <a:fld id="{A8B73DF2-13FE-4DEF-BC30-E7F6070018ED}" type="datetimeFigureOut">
               <a:rPr lang="en-AU" smtClean="0"/>
-              <a:t>23/09/2019</a:t>
+              <a:t>24/09/2019</a:t>
             </a:fld>
             <a:endParaRPr lang="en-AU"/>
           </a:p>
@@ -2414,7 +2414,7 @@
           <a:p>
             <a:fld id="{A8B73DF2-13FE-4DEF-BC30-E7F6070018ED}" type="datetimeFigureOut">
               <a:rPr lang="en-AU" smtClean="0"/>
-              <a:t>23/09/2019</a:t>
+              <a:t>24/09/2019</a:t>
             </a:fld>
             <a:endParaRPr lang="en-AU"/>
           </a:p>
@@ -2703,7 +2703,7 @@
           <a:p>
             <a:fld id="{A8B73DF2-13FE-4DEF-BC30-E7F6070018ED}" type="datetimeFigureOut">
               <a:rPr lang="en-AU" smtClean="0"/>
-              <a:t>23/09/2019</a:t>
+              <a:t>24/09/2019</a:t>
             </a:fld>
             <a:endParaRPr lang="en-AU"/>
           </a:p>
@@ -2946,7 +2946,7 @@
           <a:p>
             <a:fld id="{A8B73DF2-13FE-4DEF-BC30-E7F6070018ED}" type="datetimeFigureOut">
               <a:rPr lang="en-AU" smtClean="0"/>
-              <a:t>23/09/2019</a:t>
+              <a:t>24/09/2019</a:t>
             </a:fld>
             <a:endParaRPr lang="en-AU"/>
           </a:p>
@@ -6183,7 +6183,7 @@
       </p:grpSpPr>
       <p:sp>
         <p:nvSpPr>
-          <p:cNvPr id="73" name="Rectangle 72">
+          <p:cNvPr id="78" name="Rectangle 77">
             <a:extLst>
               <a:ext uri="{FF2B5EF4-FFF2-40B4-BE49-F238E27FC236}">
                 <a16:creationId xmlns:a16="http://schemas.microsoft.com/office/drawing/2014/main" id="{867D4867-5BA7-4462-B2F6-A23F4A622AA7}"/>
@@ -6260,7 +6260,7 @@
         </p:nvSpPr>
         <p:spPr>
           <a:xfrm>
-            <a:off x="643468" y="613867"/>
+            <a:off x="643468" y="623392"/>
             <a:ext cx="3363974" cy="1607060"/>
           </a:xfrm>
           <a:noFill/>
@@ -6302,77 +6302,56 @@
         </p:nvSpPr>
         <p:spPr>
           <a:xfrm>
-            <a:off x="643468" y="2419350"/>
-            <a:ext cx="3363974" cy="3886200"/>
+            <a:off x="643468" y="2638043"/>
+            <a:ext cx="3363974" cy="3415623"/>
           </a:xfrm>
         </p:spPr>
         <p:txBody>
           <a:bodyPr>
-            <a:normAutofit lnSpcReduction="10000"/>
+            <a:normAutofit/>
           </a:bodyPr>
           <a:lstStyle/>
           <a:p>
             <a:r>
-              <a:rPr lang="en-AU" sz="1600" dirty="0"/>
-              <a:t>It’s a 2D game-framework made in C by </a:t>
-            </a:r>
-            <a:r>
-              <a:rPr lang="en-AU" sz="1600" dirty="0" err="1"/>
-              <a:t>Protofall</a:t>
-            </a:r>
-            <a:endParaRPr lang="en-AU" sz="1600" dirty="0"/>
-          </a:p>
-          <a:p>
-            <a:r>
-              <a:rPr lang="en-AU" sz="1600" dirty="0"/>
+              <a:rPr lang="en-AU" sz="1300"/>
+              <a:t>It’s a 2D game-framework made in C by Protofall</a:t>
+            </a:r>
+          </a:p>
+          <a:p>
+            <a:r>
+              <a:rPr lang="en-AU" sz="1300"/>
               <a:t>Designed to be fast and simple</a:t>
             </a:r>
           </a:p>
           <a:p>
             <a:r>
-              <a:rPr lang="en-AU" sz="1600" dirty="0"/>
+              <a:rPr lang="en-AU" sz="1300"/>
               <a:t>Currently only works on Dreamcast, but later it will work on computers and possibly other systems</a:t>
             </a:r>
           </a:p>
           <a:p>
             <a:pPr lvl="1"/>
             <a:r>
-              <a:rPr lang="en-AU" sz="1600" dirty="0"/>
-              <a:t>Dreamcast version uses “</a:t>
-            </a:r>
-            <a:r>
-              <a:rPr lang="en-AU" sz="1600" dirty="0" err="1"/>
-              <a:t>KallistiOS</a:t>
-            </a:r>
-            <a:r>
-              <a:rPr lang="en-AU" sz="1600" dirty="0"/>
-              <a:t>” to interface with the console</a:t>
+              <a:rPr lang="en-AU" sz="1300"/>
+              <a:t>Dreamcast version uses “KallistiOS” to interface with the console</a:t>
             </a:r>
           </a:p>
           <a:p>
             <a:pPr lvl="1"/>
             <a:r>
-              <a:rPr lang="en-AU" sz="1600" dirty="0"/>
+              <a:rPr lang="en-AU" sz="1300"/>
               <a:t>Computers will use either OpenGL or Vulcan</a:t>
             </a:r>
           </a:p>
           <a:p>
             <a:r>
-              <a:rPr lang="en-AU" sz="1600" dirty="0"/>
-              <a:t>Still a WIP, some features like the “Camera” and </a:t>
-            </a:r>
-            <a:r>
-              <a:rPr lang="en-AU" sz="1600" dirty="0" err="1"/>
-              <a:t>fontstyles</a:t>
-            </a:r>
-            <a:r>
-              <a:rPr lang="en-AU" sz="1600" dirty="0"/>
-              <a:t> aren’t implemented yet</a:t>
-            </a:r>
-          </a:p>
-          <a:p>
-            <a:r>
-              <a:rPr lang="en-AU" sz="1600" dirty="0"/>
+              <a:rPr lang="en-AU" sz="1300"/>
+              <a:t>Still a WIP, some features like the “Camera” and fontstyles aren’t implemented yet</a:t>
+            </a:r>
+          </a:p>
+          <a:p>
+            <a:r>
+              <a:rPr lang="en-AU" sz="1300"/>
               <a:t>Can use it to make new projects</a:t>
             </a:r>
           </a:p>
@@ -6380,48 +6359,32 @@
       </p:sp>
       <p:pic>
         <p:nvPicPr>
-          <p:cNvPr id="2052" name="Picture 4">
-            <a:extLst>
-              <a:ext uri="{FF2B5EF4-FFF2-40B4-BE49-F238E27FC236}">
-                <a16:creationId xmlns:a16="http://schemas.microsoft.com/office/drawing/2014/main" id="{19311311-B544-494E-AF77-E98422ED94A5}"/>
+          <p:cNvPr id="3" name="Picture 2" descr="A picture containing object, clock&#10;&#10;Description automatically generated">
+            <a:extLst>
+              <a:ext uri="{FF2B5EF4-FFF2-40B4-BE49-F238E27FC236}">
+                <a16:creationId xmlns:a16="http://schemas.microsoft.com/office/drawing/2014/main" id="{53A63E10-5C35-448E-B3E9-3DD1A1249B6D}"/>
               </a:ext>
             </a:extLst>
           </p:cNvPr>
           <p:cNvPicPr>
-            <a:picLocks noChangeAspect="1" noChangeArrowheads="1"/>
+            <a:picLocks noChangeAspect="1"/>
           </p:cNvPicPr>
           <p:nvPr/>
         </p:nvPicPr>
         <p:blipFill>
-          <a:blip r:embed="rId2">
-            <a:extLst>
-              <a:ext uri="{28A0092B-C50C-407E-A947-70E740481C1C}">
-                <a14:useLocalDpi xmlns:a14="http://schemas.microsoft.com/office/drawing/2010/main" val="0"/>
-              </a:ext>
-            </a:extLst>
-          </a:blip>
+          <a:blip r:embed="rId2"/>
           <a:stretch>
             <a:fillRect/>
           </a:stretch>
         </p:blipFill>
-        <p:spPr bwMode="auto">
+        <p:spPr>
           <a:xfrm>
-            <a:off x="5297763" y="1264977"/>
-            <a:ext cx="6250769" cy="4167179"/>
+            <a:off x="5297763" y="1004528"/>
+            <a:ext cx="6250769" cy="4688076"/>
           </a:xfrm>
           <a:prstGeom prst="rect">
             <a:avLst/>
           </a:prstGeom>
-          <a:noFill/>
-          <a:extLst>
-            <a:ext uri="{909E8E84-426E-40DD-AFC4-6F175D3DCCD1}">
-              <a14:hiddenFill xmlns:a14="http://schemas.microsoft.com/office/drawing/2010/main">
-                <a:solidFill>
-                  <a:srgbClr val="FFFFFF"/>
-                </a:solidFill>
-              </a14:hiddenFill>
-            </a:ext>
-          </a:extLst>
         </p:spPr>
       </p:pic>
     </p:spTree>

--- a/Documentation/About-DC-and-Crayon.pptx
+++ b/Documentation/About-DC-and-Crayon.pptx
@@ -6183,7 +6183,7 @@
       </p:grpSpPr>
       <p:sp>
         <p:nvSpPr>
-          <p:cNvPr id="78" name="Rectangle 77">
+          <p:cNvPr id="83" name="Rectangle 82">
             <a:extLst>
               <a:ext uri="{FF2B5EF4-FFF2-40B4-BE49-F238E27FC236}">
                 <a16:creationId xmlns:a16="http://schemas.microsoft.com/office/drawing/2014/main" id="{867D4867-5BA7-4462-B2F6-A23F4A622AA7}"/>
@@ -6359,10 +6359,10 @@
       </p:sp>
       <p:pic>
         <p:nvPicPr>
-          <p:cNvPr id="3" name="Picture 2" descr="A picture containing object, clock&#10;&#10;Description automatically generated">
-            <a:extLst>
-              <a:ext uri="{FF2B5EF4-FFF2-40B4-BE49-F238E27FC236}">
-                <a16:creationId xmlns:a16="http://schemas.microsoft.com/office/drawing/2014/main" id="{53A63E10-5C35-448E-B3E9-3DD1A1249B6D}"/>
+          <p:cNvPr id="5" name="Picture 4" descr="A screen shot of a computer&#10;&#10;Description automatically generated">
+            <a:extLst>
+              <a:ext uri="{FF2B5EF4-FFF2-40B4-BE49-F238E27FC236}">
+                <a16:creationId xmlns:a16="http://schemas.microsoft.com/office/drawing/2014/main" id="{1675024F-8EBE-4B40-9E98-076D988676BC}"/>
               </a:ext>
             </a:extLst>
           </p:cNvPr>

--- a/Documentation/About-DC-and-Crayon.pptx
+++ b/Documentation/About-DC-and-Crayon.pptx
@@ -277,7 +277,7 @@
           <a:p>
             <a:fld id="{A8B73DF2-13FE-4DEF-BC30-E7F6070018ED}" type="datetimeFigureOut">
               <a:rPr lang="en-AU" smtClean="0"/>
-              <a:t>24/09/2019</a:t>
+              <a:t>25/09/2019</a:t>
             </a:fld>
             <a:endParaRPr lang="en-AU"/>
           </a:p>
@@ -477,7 +477,7 @@
           <a:p>
             <a:fld id="{A8B73DF2-13FE-4DEF-BC30-E7F6070018ED}" type="datetimeFigureOut">
               <a:rPr lang="en-AU" smtClean="0"/>
-              <a:t>24/09/2019</a:t>
+              <a:t>25/09/2019</a:t>
             </a:fld>
             <a:endParaRPr lang="en-AU"/>
           </a:p>
@@ -687,7 +687,7 @@
           <a:p>
             <a:fld id="{A8B73DF2-13FE-4DEF-BC30-E7F6070018ED}" type="datetimeFigureOut">
               <a:rPr lang="en-AU" smtClean="0"/>
-              <a:t>24/09/2019</a:t>
+              <a:t>25/09/2019</a:t>
             </a:fld>
             <a:endParaRPr lang="en-AU"/>
           </a:p>
@@ -887,7 +887,7 @@
           <a:p>
             <a:fld id="{A8B73DF2-13FE-4DEF-BC30-E7F6070018ED}" type="datetimeFigureOut">
               <a:rPr lang="en-AU" smtClean="0"/>
-              <a:t>24/09/2019</a:t>
+              <a:t>25/09/2019</a:t>
             </a:fld>
             <a:endParaRPr lang="en-AU"/>
           </a:p>
@@ -1163,7 +1163,7 @@
           <a:p>
             <a:fld id="{A8B73DF2-13FE-4DEF-BC30-E7F6070018ED}" type="datetimeFigureOut">
               <a:rPr lang="en-AU" smtClean="0"/>
-              <a:t>24/09/2019</a:t>
+              <a:t>25/09/2019</a:t>
             </a:fld>
             <a:endParaRPr lang="en-AU"/>
           </a:p>
@@ -1431,7 +1431,7 @@
           <a:p>
             <a:fld id="{A8B73DF2-13FE-4DEF-BC30-E7F6070018ED}" type="datetimeFigureOut">
               <a:rPr lang="en-AU" smtClean="0"/>
-              <a:t>24/09/2019</a:t>
+              <a:t>25/09/2019</a:t>
             </a:fld>
             <a:endParaRPr lang="en-AU"/>
           </a:p>
@@ -1846,7 +1846,7 @@
           <a:p>
             <a:fld id="{A8B73DF2-13FE-4DEF-BC30-E7F6070018ED}" type="datetimeFigureOut">
               <a:rPr lang="en-AU" smtClean="0"/>
-              <a:t>24/09/2019</a:t>
+              <a:t>25/09/2019</a:t>
             </a:fld>
             <a:endParaRPr lang="en-AU"/>
           </a:p>
@@ -1988,7 +1988,7 @@
           <a:p>
             <a:fld id="{A8B73DF2-13FE-4DEF-BC30-E7F6070018ED}" type="datetimeFigureOut">
               <a:rPr lang="en-AU" smtClean="0"/>
-              <a:t>24/09/2019</a:t>
+              <a:t>25/09/2019</a:t>
             </a:fld>
             <a:endParaRPr lang="en-AU"/>
           </a:p>
@@ -2101,7 +2101,7 @@
           <a:p>
             <a:fld id="{A8B73DF2-13FE-4DEF-BC30-E7F6070018ED}" type="datetimeFigureOut">
               <a:rPr lang="en-AU" smtClean="0"/>
-              <a:t>24/09/2019</a:t>
+              <a:t>25/09/2019</a:t>
             </a:fld>
             <a:endParaRPr lang="en-AU"/>
           </a:p>
@@ -2414,7 +2414,7 @@
           <a:p>
             <a:fld id="{A8B73DF2-13FE-4DEF-BC30-E7F6070018ED}" type="datetimeFigureOut">
               <a:rPr lang="en-AU" smtClean="0"/>
-              <a:t>24/09/2019</a:t>
+              <a:t>25/09/2019</a:t>
             </a:fld>
             <a:endParaRPr lang="en-AU"/>
           </a:p>
@@ -2703,7 +2703,7 @@
           <a:p>
             <a:fld id="{A8B73DF2-13FE-4DEF-BC30-E7F6070018ED}" type="datetimeFigureOut">
               <a:rPr lang="en-AU" smtClean="0"/>
-              <a:t>24/09/2019</a:t>
+              <a:t>25/09/2019</a:t>
             </a:fld>
             <a:endParaRPr lang="en-AU"/>
           </a:p>
@@ -2946,7 +2946,7 @@
           <a:p>
             <a:fld id="{A8B73DF2-13FE-4DEF-BC30-E7F6070018ED}" type="datetimeFigureOut">
               <a:rPr lang="en-AU" smtClean="0"/>
-              <a:t>24/09/2019</a:t>
+              <a:t>25/09/2019</a:t>
             </a:fld>
             <a:endParaRPr lang="en-AU"/>
           </a:p>
@@ -6313,45 +6313,71 @@
           <a:lstStyle/>
           <a:p>
             <a:r>
+              <a:rPr lang="en-AU" sz="1300" dirty="0"/>
+              <a:t>It’s a 2D game-framework made in C by </a:t>
+            </a:r>
+            <a:r>
+              <a:rPr lang="en-AU" sz="1300" dirty="0" err="1"/>
+              <a:t>Protofall</a:t>
+            </a:r>
+            <a:endParaRPr lang="en-AU" sz="1300" dirty="0"/>
+          </a:p>
+          <a:p>
+            <a:r>
+              <a:rPr lang="en-AU" sz="1300" dirty="0"/>
+              <a:t>Designed to be fast and simple</a:t>
+            </a:r>
+          </a:p>
+          <a:p>
+            <a:r>
+              <a:rPr lang="en-AU" sz="1300" dirty="0"/>
+              <a:t>Currently only works on Dreamcast, but later it will work on computers and possibly other systems</a:t>
+            </a:r>
+          </a:p>
+          <a:p>
+            <a:pPr lvl="1"/>
+            <a:r>
+              <a:rPr lang="en-AU" sz="1300" dirty="0"/>
+              <a:t>Dreamcast version uses “</a:t>
+            </a:r>
+            <a:r>
+              <a:rPr lang="en-AU" sz="1300" dirty="0" err="1"/>
+              <a:t>KallistiOS</a:t>
+            </a:r>
+            <a:r>
+              <a:rPr lang="en-AU" sz="1300" dirty="0"/>
+              <a:t>” to interface with the console</a:t>
+            </a:r>
+          </a:p>
+          <a:p>
+            <a:pPr lvl="1"/>
+            <a:r>
+              <a:rPr lang="en-AU" sz="1300" dirty="0"/>
+              <a:t>Computers will use either OpenGL </a:t>
+            </a:r>
+            <a:r>
               <a:rPr lang="en-AU" sz="1300"/>
-              <a:t>It’s a 2D game-framework made in C by Protofall</a:t>
-            </a:r>
-          </a:p>
-          <a:p>
-            <a:r>
-              <a:rPr lang="en-AU" sz="1300"/>
-              <a:t>Designed to be fast and simple</a:t>
-            </a:r>
-          </a:p>
-          <a:p>
-            <a:r>
-              <a:rPr lang="en-AU" sz="1300"/>
-              <a:t>Currently only works on Dreamcast, but later it will work on computers and possibly other systems</a:t>
-            </a:r>
-          </a:p>
-          <a:p>
-            <a:pPr lvl="1"/>
-            <a:r>
-              <a:rPr lang="en-AU" sz="1300"/>
-              <a:t>Dreamcast version uses “KallistiOS” to interface with the console</a:t>
-            </a:r>
-          </a:p>
-          <a:p>
-            <a:pPr lvl="1"/>
-            <a:r>
-              <a:rPr lang="en-AU" sz="1300"/>
-              <a:t>Computers will use either OpenGL or Vulcan</a:t>
-            </a:r>
-          </a:p>
-          <a:p>
-            <a:r>
-              <a:rPr lang="en-AU" sz="1300"/>
-              <a:t>Still a WIP, some features like the “Camera” and fontstyles aren’t implemented yet</a:t>
-            </a:r>
-          </a:p>
-          <a:p>
-            <a:r>
-              <a:rPr lang="en-AU" sz="1300"/>
+              <a:t>or Vulkan</a:t>
+            </a:r>
+            <a:endParaRPr lang="en-AU" sz="1300" dirty="0"/>
+          </a:p>
+          <a:p>
+            <a:r>
+              <a:rPr lang="en-AU" sz="1300" dirty="0"/>
+              <a:t>Still a WIP, some features like the “Camera” and </a:t>
+            </a:r>
+            <a:r>
+              <a:rPr lang="en-AU" sz="1300" dirty="0" err="1"/>
+              <a:t>fontstyles</a:t>
+            </a:r>
+            <a:r>
+              <a:rPr lang="en-AU" sz="1300" dirty="0"/>
+              <a:t> aren’t implemented yet</a:t>
+            </a:r>
+          </a:p>
+          <a:p>
+            <a:r>
+              <a:rPr lang="en-AU" sz="1300" dirty="0"/>
               <a:t>Can use it to make new projects</a:t>
             </a:r>
           </a:p>

--- a/Documentation/About-DC-and-Crayon.pptx
+++ b/Documentation/About-DC-and-Crayon.pptx
@@ -277,7 +277,7 @@
           <a:p>
             <a:fld id="{A8B73DF2-13FE-4DEF-BC30-E7F6070018ED}" type="datetimeFigureOut">
               <a:rPr lang="en-AU" smtClean="0"/>
-              <a:t>25/09/2019</a:t>
+              <a:t>29/09/2019</a:t>
             </a:fld>
             <a:endParaRPr lang="en-AU"/>
           </a:p>
@@ -477,7 +477,7 @@
           <a:p>
             <a:fld id="{A8B73DF2-13FE-4DEF-BC30-E7F6070018ED}" type="datetimeFigureOut">
               <a:rPr lang="en-AU" smtClean="0"/>
-              <a:t>25/09/2019</a:t>
+              <a:t>29/09/2019</a:t>
             </a:fld>
             <a:endParaRPr lang="en-AU"/>
           </a:p>
@@ -687,7 +687,7 @@
           <a:p>
             <a:fld id="{A8B73DF2-13FE-4DEF-BC30-E7F6070018ED}" type="datetimeFigureOut">
               <a:rPr lang="en-AU" smtClean="0"/>
-              <a:t>25/09/2019</a:t>
+              <a:t>29/09/2019</a:t>
             </a:fld>
             <a:endParaRPr lang="en-AU"/>
           </a:p>
@@ -887,7 +887,7 @@
           <a:p>
             <a:fld id="{A8B73DF2-13FE-4DEF-BC30-E7F6070018ED}" type="datetimeFigureOut">
               <a:rPr lang="en-AU" smtClean="0"/>
-              <a:t>25/09/2019</a:t>
+              <a:t>29/09/2019</a:t>
             </a:fld>
             <a:endParaRPr lang="en-AU"/>
           </a:p>
@@ -1163,7 +1163,7 @@
           <a:p>
             <a:fld id="{A8B73DF2-13FE-4DEF-BC30-E7F6070018ED}" type="datetimeFigureOut">
               <a:rPr lang="en-AU" smtClean="0"/>
-              <a:t>25/09/2019</a:t>
+              <a:t>29/09/2019</a:t>
             </a:fld>
             <a:endParaRPr lang="en-AU"/>
           </a:p>
@@ -1431,7 +1431,7 @@
           <a:p>
             <a:fld id="{A8B73DF2-13FE-4DEF-BC30-E7F6070018ED}" type="datetimeFigureOut">
               <a:rPr lang="en-AU" smtClean="0"/>
-              <a:t>25/09/2019</a:t>
+              <a:t>29/09/2019</a:t>
             </a:fld>
             <a:endParaRPr lang="en-AU"/>
           </a:p>
@@ -1846,7 +1846,7 @@
           <a:p>
             <a:fld id="{A8B73DF2-13FE-4DEF-BC30-E7F6070018ED}" type="datetimeFigureOut">
               <a:rPr lang="en-AU" smtClean="0"/>
-              <a:t>25/09/2019</a:t>
+              <a:t>29/09/2019</a:t>
             </a:fld>
             <a:endParaRPr lang="en-AU"/>
           </a:p>
@@ -1988,7 +1988,7 @@
           <a:p>
             <a:fld id="{A8B73DF2-13FE-4DEF-BC30-E7F6070018ED}" type="datetimeFigureOut">
               <a:rPr lang="en-AU" smtClean="0"/>
-              <a:t>25/09/2019</a:t>
+              <a:t>29/09/2019</a:t>
             </a:fld>
             <a:endParaRPr lang="en-AU"/>
           </a:p>
@@ -2101,7 +2101,7 @@
           <a:p>
             <a:fld id="{A8B73DF2-13FE-4DEF-BC30-E7F6070018ED}" type="datetimeFigureOut">
               <a:rPr lang="en-AU" smtClean="0"/>
-              <a:t>25/09/2019</a:t>
+              <a:t>29/09/2019</a:t>
             </a:fld>
             <a:endParaRPr lang="en-AU"/>
           </a:p>
@@ -2414,7 +2414,7 @@
           <a:p>
             <a:fld id="{A8B73DF2-13FE-4DEF-BC30-E7F6070018ED}" type="datetimeFigureOut">
               <a:rPr lang="en-AU" smtClean="0"/>
-              <a:t>25/09/2019</a:t>
+              <a:t>29/09/2019</a:t>
             </a:fld>
             <a:endParaRPr lang="en-AU"/>
           </a:p>
@@ -2703,7 +2703,7 @@
           <a:p>
             <a:fld id="{A8B73DF2-13FE-4DEF-BC30-E7F6070018ED}" type="datetimeFigureOut">
               <a:rPr lang="en-AU" smtClean="0"/>
-              <a:t>25/09/2019</a:t>
+              <a:t>29/09/2019</a:t>
             </a:fld>
             <a:endParaRPr lang="en-AU"/>
           </a:p>
@@ -2946,7 +2946,7 @@
           <a:p>
             <a:fld id="{A8B73DF2-13FE-4DEF-BC30-E7F6070018ED}" type="datetimeFigureOut">
               <a:rPr lang="en-AU" smtClean="0"/>
-              <a:t>25/09/2019</a:t>
+              <a:t>29/09/2019</a:t>
             </a:fld>
             <a:endParaRPr lang="en-AU"/>
           </a:p>
@@ -3726,13 +3726,21 @@
           <a:p>
             <a:r>
               <a:rPr lang="en-AU" dirty="0"/>
-              <a:t>As mentioned before, the Dreamcast has a normal Joypad, there are some other kinds of controllers too</a:t>
-            </a:r>
-          </a:p>
-          <a:p>
+              <a:t>As mentioned before, the Dreamcast has a </a:t>
+            </a:r>
+            <a:r>
+              <a:rPr lang="en-AU"/>
+              <a:t>normal joypad controller</a:t>
+            </a:r>
             <a:r>
               <a:rPr lang="en-AU" dirty="0"/>
-              <a:t>Keyboard and Mouse, they work like PC ones, but aren’t as common	</a:t>
+              <a:t>, there are some other kinds of controllers too</a:t>
+            </a:r>
+          </a:p>
+          <a:p>
+            <a:r>
+              <a:rPr lang="en-AU" dirty="0"/>
+              <a:t>Keyboard and Mouse, they work like PC ones, but aren’t as common</a:t>
             </a:r>
           </a:p>
           <a:p>

--- a/Documentation/About-DC-and-Crayon.pptx
+++ b/Documentation/About-DC-and-Crayon.pptx
@@ -277,7 +277,7 @@
           <a:p>
             <a:fld id="{A8B73DF2-13FE-4DEF-BC30-E7F6070018ED}" type="datetimeFigureOut">
               <a:rPr lang="en-AU" smtClean="0"/>
-              <a:t>29/09/2019</a:t>
+              <a:t>7/10/2019</a:t>
             </a:fld>
             <a:endParaRPr lang="en-AU"/>
           </a:p>
@@ -477,7 +477,7 @@
           <a:p>
             <a:fld id="{A8B73DF2-13FE-4DEF-BC30-E7F6070018ED}" type="datetimeFigureOut">
               <a:rPr lang="en-AU" smtClean="0"/>
-              <a:t>29/09/2019</a:t>
+              <a:t>7/10/2019</a:t>
             </a:fld>
             <a:endParaRPr lang="en-AU"/>
           </a:p>
@@ -687,7 +687,7 @@
           <a:p>
             <a:fld id="{A8B73DF2-13FE-4DEF-BC30-E7F6070018ED}" type="datetimeFigureOut">
               <a:rPr lang="en-AU" smtClean="0"/>
-              <a:t>29/09/2019</a:t>
+              <a:t>7/10/2019</a:t>
             </a:fld>
             <a:endParaRPr lang="en-AU"/>
           </a:p>
@@ -887,7 +887,7 @@
           <a:p>
             <a:fld id="{A8B73DF2-13FE-4DEF-BC30-E7F6070018ED}" type="datetimeFigureOut">
               <a:rPr lang="en-AU" smtClean="0"/>
-              <a:t>29/09/2019</a:t>
+              <a:t>7/10/2019</a:t>
             </a:fld>
             <a:endParaRPr lang="en-AU"/>
           </a:p>
@@ -1163,7 +1163,7 @@
           <a:p>
             <a:fld id="{A8B73DF2-13FE-4DEF-BC30-E7F6070018ED}" type="datetimeFigureOut">
               <a:rPr lang="en-AU" smtClean="0"/>
-              <a:t>29/09/2019</a:t>
+              <a:t>7/10/2019</a:t>
             </a:fld>
             <a:endParaRPr lang="en-AU"/>
           </a:p>
@@ -1431,7 +1431,7 @@
           <a:p>
             <a:fld id="{A8B73DF2-13FE-4DEF-BC30-E7F6070018ED}" type="datetimeFigureOut">
               <a:rPr lang="en-AU" smtClean="0"/>
-              <a:t>29/09/2019</a:t>
+              <a:t>7/10/2019</a:t>
             </a:fld>
             <a:endParaRPr lang="en-AU"/>
           </a:p>
@@ -1846,7 +1846,7 @@
           <a:p>
             <a:fld id="{A8B73DF2-13FE-4DEF-BC30-E7F6070018ED}" type="datetimeFigureOut">
               <a:rPr lang="en-AU" smtClean="0"/>
-              <a:t>29/09/2019</a:t>
+              <a:t>7/10/2019</a:t>
             </a:fld>
             <a:endParaRPr lang="en-AU"/>
           </a:p>
@@ -1988,7 +1988,7 @@
           <a:p>
             <a:fld id="{A8B73DF2-13FE-4DEF-BC30-E7F6070018ED}" type="datetimeFigureOut">
               <a:rPr lang="en-AU" smtClean="0"/>
-              <a:t>29/09/2019</a:t>
+              <a:t>7/10/2019</a:t>
             </a:fld>
             <a:endParaRPr lang="en-AU"/>
           </a:p>
@@ -2101,7 +2101,7 @@
           <a:p>
             <a:fld id="{A8B73DF2-13FE-4DEF-BC30-E7F6070018ED}" type="datetimeFigureOut">
               <a:rPr lang="en-AU" smtClean="0"/>
-              <a:t>29/09/2019</a:t>
+              <a:t>7/10/2019</a:t>
             </a:fld>
             <a:endParaRPr lang="en-AU"/>
           </a:p>
@@ -2414,7 +2414,7 @@
           <a:p>
             <a:fld id="{A8B73DF2-13FE-4DEF-BC30-E7F6070018ED}" type="datetimeFigureOut">
               <a:rPr lang="en-AU" smtClean="0"/>
-              <a:t>29/09/2019</a:t>
+              <a:t>7/10/2019</a:t>
             </a:fld>
             <a:endParaRPr lang="en-AU"/>
           </a:p>
@@ -2703,7 +2703,7 @@
           <a:p>
             <a:fld id="{A8B73DF2-13FE-4DEF-BC30-E7F6070018ED}" type="datetimeFigureOut">
               <a:rPr lang="en-AU" smtClean="0"/>
-              <a:t>29/09/2019</a:t>
+              <a:t>7/10/2019</a:t>
             </a:fld>
             <a:endParaRPr lang="en-AU"/>
           </a:p>
@@ -2946,7 +2946,7 @@
           <a:p>
             <a:fld id="{A8B73DF2-13FE-4DEF-BC30-E7F6070018ED}" type="datetimeFigureOut">
               <a:rPr lang="en-AU" smtClean="0"/>
-              <a:t>29/09/2019</a:t>
+              <a:t>7/10/2019</a:t>
             </a:fld>
             <a:endParaRPr lang="en-AU"/>
           </a:p>
@@ -6268,7 +6268,7 @@
         </p:nvSpPr>
         <p:spPr>
           <a:xfrm>
-            <a:off x="643468" y="623392"/>
+            <a:off x="643468" y="517516"/>
             <a:ext cx="3363974" cy="1607060"/>
           </a:xfrm>
           <a:noFill/>
@@ -6310,8 +6310,8 @@
         </p:nvSpPr>
         <p:spPr>
           <a:xfrm>
-            <a:off x="643468" y="2638043"/>
-            <a:ext cx="3363974" cy="3415623"/>
+            <a:off x="643468" y="2532167"/>
+            <a:ext cx="3363974" cy="3596565"/>
           </a:xfrm>
         </p:spPr>
         <p:txBody>
@@ -6361,22 +6361,33 @@
             <a:pPr lvl="1"/>
             <a:r>
               <a:rPr lang="en-AU" sz="1300" dirty="0"/>
-              <a:t>Computers will use either OpenGL </a:t>
+              <a:t>Computers will use either OpenGL or Vulkan</a:t>
+            </a:r>
+          </a:p>
+          <a:p>
+            <a:r>
+              <a:rPr lang="en-AU" sz="1300" dirty="0"/>
+              <a:t>Still a WIP, some features like most </a:t>
             </a:r>
             <a:r>
               <a:rPr lang="en-AU" sz="1300"/>
-              <a:t>or Vulkan</a:t>
-            </a:r>
-            <a:endParaRPr lang="en-AU" sz="1300" dirty="0"/>
-          </a:p>
-          <a:p>
+              <a:t>of the Camera</a:t>
+            </a:r>
             <a:r>
               <a:rPr lang="en-AU" sz="1300" dirty="0"/>
-              <a:t>Still a WIP, some features like the “Camera” and </a:t>
+              <a:t>s</a:t>
+            </a:r>
+            <a:r>
+              <a:rPr lang="en-AU" sz="1300"/>
+              <a:t> </a:t>
+            </a:r>
+            <a:r>
+              <a:rPr lang="en-AU" sz="1300" dirty="0"/>
+              <a:t>and </a:t>
             </a:r>
             <a:r>
               <a:rPr lang="en-AU" sz="1300" dirty="0" err="1"/>
-              <a:t>fontstyles</a:t>
+              <a:t>Fontstyles</a:t>
             </a:r>
             <a:r>
               <a:rPr lang="en-AU" sz="1300" dirty="0"/>
@@ -6387,6 +6398,12 @@
             <a:r>
               <a:rPr lang="en-AU" sz="1300" dirty="0"/>
               <a:t>Can use it to make new projects</a:t>
+            </a:r>
+          </a:p>
+          <a:p>
+            <a:r>
+              <a:rPr lang="en-AU" sz="1300" dirty="0"/>
+              <a:t>Doesn’t support traditional lighting</a:t>
             </a:r>
           </a:p>
         </p:txBody>

--- a/Documentation/About-DC-and-Crayon.pptx
+++ b/Documentation/About-DC-and-Crayon.pptx
@@ -277,7 +277,7 @@
           <a:p>
             <a:fld id="{A8B73DF2-13FE-4DEF-BC30-E7F6070018ED}" type="datetimeFigureOut">
               <a:rPr lang="en-AU" smtClean="0"/>
-              <a:t>7/10/2019</a:t>
+              <a:t>26/10/2019</a:t>
             </a:fld>
             <a:endParaRPr lang="en-AU"/>
           </a:p>
@@ -477,7 +477,7 @@
           <a:p>
             <a:fld id="{A8B73DF2-13FE-4DEF-BC30-E7F6070018ED}" type="datetimeFigureOut">
               <a:rPr lang="en-AU" smtClean="0"/>
-              <a:t>7/10/2019</a:t>
+              <a:t>26/10/2019</a:t>
             </a:fld>
             <a:endParaRPr lang="en-AU"/>
           </a:p>
@@ -687,7 +687,7 @@
           <a:p>
             <a:fld id="{A8B73DF2-13FE-4DEF-BC30-E7F6070018ED}" type="datetimeFigureOut">
               <a:rPr lang="en-AU" smtClean="0"/>
-              <a:t>7/10/2019</a:t>
+              <a:t>26/10/2019</a:t>
             </a:fld>
             <a:endParaRPr lang="en-AU"/>
           </a:p>
@@ -887,7 +887,7 @@
           <a:p>
             <a:fld id="{A8B73DF2-13FE-4DEF-BC30-E7F6070018ED}" type="datetimeFigureOut">
               <a:rPr lang="en-AU" smtClean="0"/>
-              <a:t>7/10/2019</a:t>
+              <a:t>26/10/2019</a:t>
             </a:fld>
             <a:endParaRPr lang="en-AU"/>
           </a:p>
@@ -1163,7 +1163,7 @@
           <a:p>
             <a:fld id="{A8B73DF2-13FE-4DEF-BC30-E7F6070018ED}" type="datetimeFigureOut">
               <a:rPr lang="en-AU" smtClean="0"/>
-              <a:t>7/10/2019</a:t>
+              <a:t>26/10/2019</a:t>
             </a:fld>
             <a:endParaRPr lang="en-AU"/>
           </a:p>
@@ -1431,7 +1431,7 @@
           <a:p>
             <a:fld id="{A8B73DF2-13FE-4DEF-BC30-E7F6070018ED}" type="datetimeFigureOut">
               <a:rPr lang="en-AU" smtClean="0"/>
-              <a:t>7/10/2019</a:t>
+              <a:t>26/10/2019</a:t>
             </a:fld>
             <a:endParaRPr lang="en-AU"/>
           </a:p>
@@ -1846,7 +1846,7 @@
           <a:p>
             <a:fld id="{A8B73DF2-13FE-4DEF-BC30-E7F6070018ED}" type="datetimeFigureOut">
               <a:rPr lang="en-AU" smtClean="0"/>
-              <a:t>7/10/2019</a:t>
+              <a:t>26/10/2019</a:t>
             </a:fld>
             <a:endParaRPr lang="en-AU"/>
           </a:p>
@@ -1988,7 +1988,7 @@
           <a:p>
             <a:fld id="{A8B73DF2-13FE-4DEF-BC30-E7F6070018ED}" type="datetimeFigureOut">
               <a:rPr lang="en-AU" smtClean="0"/>
-              <a:t>7/10/2019</a:t>
+              <a:t>26/10/2019</a:t>
             </a:fld>
             <a:endParaRPr lang="en-AU"/>
           </a:p>
@@ -2101,7 +2101,7 @@
           <a:p>
             <a:fld id="{A8B73DF2-13FE-4DEF-BC30-E7F6070018ED}" type="datetimeFigureOut">
               <a:rPr lang="en-AU" smtClean="0"/>
-              <a:t>7/10/2019</a:t>
+              <a:t>26/10/2019</a:t>
             </a:fld>
             <a:endParaRPr lang="en-AU"/>
           </a:p>
@@ -2414,7 +2414,7 @@
           <a:p>
             <a:fld id="{A8B73DF2-13FE-4DEF-BC30-E7F6070018ED}" type="datetimeFigureOut">
               <a:rPr lang="en-AU" smtClean="0"/>
-              <a:t>7/10/2019</a:t>
+              <a:t>26/10/2019</a:t>
             </a:fld>
             <a:endParaRPr lang="en-AU"/>
           </a:p>
@@ -2703,7 +2703,7 @@
           <a:p>
             <a:fld id="{A8B73DF2-13FE-4DEF-BC30-E7F6070018ED}" type="datetimeFigureOut">
               <a:rPr lang="en-AU" smtClean="0"/>
-              <a:t>7/10/2019</a:t>
+              <a:t>26/10/2019</a:t>
             </a:fld>
             <a:endParaRPr lang="en-AU"/>
           </a:p>
@@ -2946,7 +2946,7 @@
           <a:p>
             <a:fld id="{A8B73DF2-13FE-4DEF-BC30-E7F6070018ED}" type="datetimeFigureOut">
               <a:rPr lang="en-AU" smtClean="0"/>
-              <a:t>7/10/2019</a:t>
+              <a:t>26/10/2019</a:t>
             </a:fld>
             <a:endParaRPr lang="en-AU"/>
           </a:p>
@@ -3622,16 +3622,13 @@
             <a:pPr lvl="1"/>
             <a:r>
               <a:rPr lang="en-AU" dirty="0"/>
-              <a:t>Depending on what format is chosen, sound effects have a max length </a:t>
-            </a:r>
-            <a:r>
-              <a:rPr lang="en-AU" dirty="0">
-                <a:solidFill>
-                  <a:srgbClr val="FF0000"/>
-                </a:solidFill>
-              </a:rPr>
-              <a:t>(*)</a:t>
-            </a:r>
+              <a:t>Depending on what format is chosen, sound effects have a max length. I believe this is 65535 Samples / Sample-Rate</a:t>
+            </a:r>
+            <a:endParaRPr lang="en-AU" dirty="0">
+              <a:solidFill>
+                <a:srgbClr val="FF0000"/>
+              </a:solidFill>
+            </a:endParaRPr>
           </a:p>
           <a:p>
             <a:r>
